--- a/project_2_presentation.pptx
+++ b/project_2_presentation.pptx
@@ -4,10 +4,13 @@
   <p:sldMasterIdLst>
     <p:sldMasterId id="2147483648" r:id="rId1"/>
   </p:sldMasterIdLst>
+  <p:notesMasterIdLst>
+    <p:notesMasterId r:id="rId9"/>
+  </p:notesMasterIdLst>
   <p:sldIdLst>
     <p:sldId id="256" r:id="rId2"/>
-    <p:sldId id="257" r:id="rId3"/>
-    <p:sldId id="262" r:id="rId4"/>
+    <p:sldId id="262" r:id="rId3"/>
+    <p:sldId id="257" r:id="rId4"/>
     <p:sldId id="258" r:id="rId5"/>
     <p:sldId id="259" r:id="rId6"/>
     <p:sldId id="260" r:id="rId7"/>
@@ -113,6 +116,524 @@
 </p:presentation>
 </file>
 
+<file path=ppt/notesMasters/notesMaster1.xml><?xml version="1.0" encoding="utf-8"?>
+<p:notesMaster xmlns:a="http://schemas.openxmlformats.org/drawingml/2006/main" xmlns:r="http://schemas.openxmlformats.org/officeDocument/2006/relationships" xmlns:p="http://schemas.openxmlformats.org/presentationml/2006/main">
+  <p:cSld>
+    <p:bg>
+      <p:bgRef idx="1001">
+        <a:schemeClr val="bg1"/>
+      </p:bgRef>
+    </p:bg>
+    <p:spTree>
+      <p:nvGrpSpPr>
+        <p:cNvPr id="1" name=""/>
+        <p:cNvGrpSpPr/>
+        <p:nvPr/>
+      </p:nvGrpSpPr>
+      <p:grpSpPr>
+        <a:xfrm>
+          <a:off x="0" y="0"/>
+          <a:ext cx="0" cy="0"/>
+          <a:chOff x="0" y="0"/>
+          <a:chExt cx="0" cy="0"/>
+        </a:xfrm>
+      </p:grpSpPr>
+      <p:sp>
+        <p:nvSpPr>
+          <p:cNvPr id="2" name="Header Placeholder 1"/>
+          <p:cNvSpPr>
+            <a:spLocks noGrp="1"/>
+          </p:cNvSpPr>
+          <p:nvPr>
+            <p:ph type="hdr" sz="quarter"/>
+          </p:nvPr>
+        </p:nvSpPr>
+        <p:spPr>
+          <a:xfrm>
+            <a:off x="0" y="0"/>
+            <a:ext cx="2971800" cy="457200"/>
+          </a:xfrm>
+          <a:prstGeom prst="rect">
+            <a:avLst/>
+          </a:prstGeom>
+        </p:spPr>
+        <p:txBody>
+          <a:bodyPr vert="horz" lIns="91440" tIns="45720" rIns="91440" bIns="45720" rtlCol="0"/>
+          <a:lstStyle>
+            <a:lvl1pPr algn="l">
+              <a:defRPr sz="1200"/>
+            </a:lvl1pPr>
+          </a:lstStyle>
+          <a:p>
+            <a:endParaRPr lang="en-US"/>
+          </a:p>
+        </p:txBody>
+      </p:sp>
+      <p:sp>
+        <p:nvSpPr>
+          <p:cNvPr id="3" name="Date Placeholder 2"/>
+          <p:cNvSpPr>
+            <a:spLocks noGrp="1"/>
+          </p:cNvSpPr>
+          <p:nvPr>
+            <p:ph type="dt" idx="1"/>
+          </p:nvPr>
+        </p:nvSpPr>
+        <p:spPr>
+          <a:xfrm>
+            <a:off x="3884613" y="0"/>
+            <a:ext cx="2971800" cy="457200"/>
+          </a:xfrm>
+          <a:prstGeom prst="rect">
+            <a:avLst/>
+          </a:prstGeom>
+        </p:spPr>
+        <p:txBody>
+          <a:bodyPr vert="horz" lIns="91440" tIns="45720" rIns="91440" bIns="45720" rtlCol="0"/>
+          <a:lstStyle>
+            <a:lvl1pPr algn="r">
+              <a:defRPr sz="1200"/>
+            </a:lvl1pPr>
+          </a:lstStyle>
+          <a:p>
+            <a:fld id="{C5F8BAF5-3FF5-421E-A723-E6242AAB3235}" type="datetimeFigureOut">
+              <a:rPr lang="en-US" smtClean="0"/>
+              <a:t>5/11/2014</a:t>
+            </a:fld>
+            <a:endParaRPr lang="en-US"/>
+          </a:p>
+        </p:txBody>
+      </p:sp>
+      <p:sp>
+        <p:nvSpPr>
+          <p:cNvPr id="4" name="Slide Image Placeholder 3"/>
+          <p:cNvSpPr>
+            <a:spLocks noGrp="1" noRot="1" noChangeAspect="1"/>
+          </p:cNvSpPr>
+          <p:nvPr>
+            <p:ph type="sldImg" idx="2"/>
+          </p:nvPr>
+        </p:nvSpPr>
+        <p:spPr>
+          <a:xfrm>
+            <a:off x="1143000" y="685800"/>
+            <a:ext cx="4572000" cy="3429000"/>
+          </a:xfrm>
+          <a:prstGeom prst="rect">
+            <a:avLst/>
+          </a:prstGeom>
+          <a:noFill/>
+          <a:ln w="12700">
+            <a:solidFill>
+              <a:prstClr val="black"/>
+            </a:solidFill>
+          </a:ln>
+        </p:spPr>
+        <p:txBody>
+          <a:bodyPr vert="horz" lIns="91440" tIns="45720" rIns="91440" bIns="45720" rtlCol="0" anchor="ctr"/>
+          <a:lstStyle/>
+          <a:p>
+            <a:endParaRPr lang="en-US"/>
+          </a:p>
+        </p:txBody>
+      </p:sp>
+      <p:sp>
+        <p:nvSpPr>
+          <p:cNvPr id="5" name="Notes Placeholder 4"/>
+          <p:cNvSpPr>
+            <a:spLocks noGrp="1"/>
+          </p:cNvSpPr>
+          <p:nvPr>
+            <p:ph type="body" sz="quarter" idx="3"/>
+          </p:nvPr>
+        </p:nvSpPr>
+        <p:spPr>
+          <a:xfrm>
+            <a:off x="685800" y="4343400"/>
+            <a:ext cx="5486400" cy="4114800"/>
+          </a:xfrm>
+          <a:prstGeom prst="rect">
+            <a:avLst/>
+          </a:prstGeom>
+        </p:spPr>
+        <p:txBody>
+          <a:bodyPr vert="horz" lIns="91440" tIns="45720" rIns="91440" bIns="45720" rtlCol="0"/>
+          <a:lstStyle/>
+          <a:p>
+            <a:pPr lvl="0"/>
+            <a:r>
+              <a:rPr lang="en-US" smtClean="0"/>
+              <a:t>Click to edit Master text styles</a:t>
+            </a:r>
+          </a:p>
+          <a:p>
+            <a:pPr lvl="1"/>
+            <a:r>
+              <a:rPr lang="en-US" smtClean="0"/>
+              <a:t>Second level</a:t>
+            </a:r>
+          </a:p>
+          <a:p>
+            <a:pPr lvl="2"/>
+            <a:r>
+              <a:rPr lang="en-US" smtClean="0"/>
+              <a:t>Third level</a:t>
+            </a:r>
+          </a:p>
+          <a:p>
+            <a:pPr lvl="3"/>
+            <a:r>
+              <a:rPr lang="en-US" smtClean="0"/>
+              <a:t>Fourth level</a:t>
+            </a:r>
+          </a:p>
+          <a:p>
+            <a:pPr lvl="4"/>
+            <a:r>
+              <a:rPr lang="en-US" smtClean="0"/>
+              <a:t>Fifth level</a:t>
+            </a:r>
+            <a:endParaRPr lang="en-US"/>
+          </a:p>
+        </p:txBody>
+      </p:sp>
+      <p:sp>
+        <p:nvSpPr>
+          <p:cNvPr id="6" name="Footer Placeholder 5"/>
+          <p:cNvSpPr>
+            <a:spLocks noGrp="1"/>
+          </p:cNvSpPr>
+          <p:nvPr>
+            <p:ph type="ftr" sz="quarter" idx="4"/>
+          </p:nvPr>
+        </p:nvSpPr>
+        <p:spPr>
+          <a:xfrm>
+            <a:off x="0" y="8685213"/>
+            <a:ext cx="2971800" cy="457200"/>
+          </a:xfrm>
+          <a:prstGeom prst="rect">
+            <a:avLst/>
+          </a:prstGeom>
+        </p:spPr>
+        <p:txBody>
+          <a:bodyPr vert="horz" lIns="91440" tIns="45720" rIns="91440" bIns="45720" rtlCol="0" anchor="b"/>
+          <a:lstStyle>
+            <a:lvl1pPr algn="l">
+              <a:defRPr sz="1200"/>
+            </a:lvl1pPr>
+          </a:lstStyle>
+          <a:p>
+            <a:endParaRPr lang="en-US"/>
+          </a:p>
+        </p:txBody>
+      </p:sp>
+      <p:sp>
+        <p:nvSpPr>
+          <p:cNvPr id="7" name="Slide Number Placeholder 6"/>
+          <p:cNvSpPr>
+            <a:spLocks noGrp="1"/>
+          </p:cNvSpPr>
+          <p:nvPr>
+            <p:ph type="sldNum" sz="quarter" idx="5"/>
+          </p:nvPr>
+        </p:nvSpPr>
+        <p:spPr>
+          <a:xfrm>
+            <a:off x="3884613" y="8685213"/>
+            <a:ext cx="2971800" cy="457200"/>
+          </a:xfrm>
+          <a:prstGeom prst="rect">
+            <a:avLst/>
+          </a:prstGeom>
+        </p:spPr>
+        <p:txBody>
+          <a:bodyPr vert="horz" lIns="91440" tIns="45720" rIns="91440" bIns="45720" rtlCol="0" anchor="b"/>
+          <a:lstStyle>
+            <a:lvl1pPr algn="r">
+              <a:defRPr sz="1200"/>
+            </a:lvl1pPr>
+          </a:lstStyle>
+          <a:p>
+            <a:fld id="{3BF9693C-674C-4668-97DA-E7EB7AA52C3E}" type="slidenum">
+              <a:rPr lang="en-US" smtClean="0"/>
+              <a:t>‹#›</a:t>
+            </a:fld>
+            <a:endParaRPr lang="en-US"/>
+          </a:p>
+        </p:txBody>
+      </p:sp>
+    </p:spTree>
+    <p:extLst>
+      <p:ext uri="{BB962C8B-B14F-4D97-AF65-F5344CB8AC3E}">
+        <p14:creationId xmlns:p14="http://schemas.microsoft.com/office/powerpoint/2010/main" val="2428387650"/>
+      </p:ext>
+    </p:extLst>
+  </p:cSld>
+  <p:clrMap bg1="lt1" tx1="dk1" bg2="lt2" tx2="dk2" accent1="accent1" accent2="accent2" accent3="accent3" accent4="accent4" accent5="accent5" accent6="accent6" hlink="hlink" folHlink="folHlink"/>
+  <p:notesStyle>
+    <a:lvl1pPr marL="0" algn="l" defTabSz="914400" rtl="0" eaLnBrk="1" latinLnBrk="0" hangingPunct="1">
+      <a:defRPr sz="1200" kern="1200">
+        <a:solidFill>
+          <a:schemeClr val="tx1"/>
+        </a:solidFill>
+        <a:latin typeface="+mn-lt"/>
+        <a:ea typeface="+mn-ea"/>
+        <a:cs typeface="+mn-cs"/>
+      </a:defRPr>
+    </a:lvl1pPr>
+    <a:lvl2pPr marL="457200" algn="l" defTabSz="914400" rtl="0" eaLnBrk="1" latinLnBrk="0" hangingPunct="1">
+      <a:defRPr sz="1200" kern="1200">
+        <a:solidFill>
+          <a:schemeClr val="tx1"/>
+        </a:solidFill>
+        <a:latin typeface="+mn-lt"/>
+        <a:ea typeface="+mn-ea"/>
+        <a:cs typeface="+mn-cs"/>
+      </a:defRPr>
+    </a:lvl2pPr>
+    <a:lvl3pPr marL="914400" algn="l" defTabSz="914400" rtl="0" eaLnBrk="1" latinLnBrk="0" hangingPunct="1">
+      <a:defRPr sz="1200" kern="1200">
+        <a:solidFill>
+          <a:schemeClr val="tx1"/>
+        </a:solidFill>
+        <a:latin typeface="+mn-lt"/>
+        <a:ea typeface="+mn-ea"/>
+        <a:cs typeface="+mn-cs"/>
+      </a:defRPr>
+    </a:lvl3pPr>
+    <a:lvl4pPr marL="1371600" algn="l" defTabSz="914400" rtl="0" eaLnBrk="1" latinLnBrk="0" hangingPunct="1">
+      <a:defRPr sz="1200" kern="1200">
+        <a:solidFill>
+          <a:schemeClr val="tx1"/>
+        </a:solidFill>
+        <a:latin typeface="+mn-lt"/>
+        <a:ea typeface="+mn-ea"/>
+        <a:cs typeface="+mn-cs"/>
+      </a:defRPr>
+    </a:lvl4pPr>
+    <a:lvl5pPr marL="1828800" algn="l" defTabSz="914400" rtl="0" eaLnBrk="1" latinLnBrk="0" hangingPunct="1">
+      <a:defRPr sz="1200" kern="1200">
+        <a:solidFill>
+          <a:schemeClr val="tx1"/>
+        </a:solidFill>
+        <a:latin typeface="+mn-lt"/>
+        <a:ea typeface="+mn-ea"/>
+        <a:cs typeface="+mn-cs"/>
+      </a:defRPr>
+    </a:lvl5pPr>
+    <a:lvl6pPr marL="2286000" algn="l" defTabSz="914400" rtl="0" eaLnBrk="1" latinLnBrk="0" hangingPunct="1">
+      <a:defRPr sz="1200" kern="1200">
+        <a:solidFill>
+          <a:schemeClr val="tx1"/>
+        </a:solidFill>
+        <a:latin typeface="+mn-lt"/>
+        <a:ea typeface="+mn-ea"/>
+        <a:cs typeface="+mn-cs"/>
+      </a:defRPr>
+    </a:lvl6pPr>
+    <a:lvl7pPr marL="2743200" algn="l" defTabSz="914400" rtl="0" eaLnBrk="1" latinLnBrk="0" hangingPunct="1">
+      <a:defRPr sz="1200" kern="1200">
+        <a:solidFill>
+          <a:schemeClr val="tx1"/>
+        </a:solidFill>
+        <a:latin typeface="+mn-lt"/>
+        <a:ea typeface="+mn-ea"/>
+        <a:cs typeface="+mn-cs"/>
+      </a:defRPr>
+    </a:lvl7pPr>
+    <a:lvl8pPr marL="3200400" algn="l" defTabSz="914400" rtl="0" eaLnBrk="1" latinLnBrk="0" hangingPunct="1">
+      <a:defRPr sz="1200" kern="1200">
+        <a:solidFill>
+          <a:schemeClr val="tx1"/>
+        </a:solidFill>
+        <a:latin typeface="+mn-lt"/>
+        <a:ea typeface="+mn-ea"/>
+        <a:cs typeface="+mn-cs"/>
+      </a:defRPr>
+    </a:lvl8pPr>
+    <a:lvl9pPr marL="3657600" algn="l" defTabSz="914400" rtl="0" eaLnBrk="1" latinLnBrk="0" hangingPunct="1">
+      <a:defRPr sz="1200" kern="1200">
+        <a:solidFill>
+          <a:schemeClr val="tx1"/>
+        </a:solidFill>
+        <a:latin typeface="+mn-lt"/>
+        <a:ea typeface="+mn-ea"/>
+        <a:cs typeface="+mn-cs"/>
+      </a:defRPr>
+    </a:lvl9pPr>
+  </p:notesStyle>
+</p:notesMaster>
+</file>
+
+<file path=ppt/notesSlides/notesSlide1.xml><?xml version="1.0" encoding="utf-8"?>
+<p:notes xmlns:a="http://schemas.openxmlformats.org/drawingml/2006/main" xmlns:r="http://schemas.openxmlformats.org/officeDocument/2006/relationships" xmlns:p="http://schemas.openxmlformats.org/presentationml/2006/main">
+  <p:cSld>
+    <p:spTree>
+      <p:nvGrpSpPr>
+        <p:cNvPr id="1" name=""/>
+        <p:cNvGrpSpPr/>
+        <p:nvPr/>
+      </p:nvGrpSpPr>
+      <p:grpSpPr>
+        <a:xfrm>
+          <a:off x="0" y="0"/>
+          <a:ext cx="0" cy="0"/>
+          <a:chOff x="0" y="0"/>
+          <a:chExt cx="0" cy="0"/>
+        </a:xfrm>
+      </p:grpSpPr>
+      <p:sp>
+        <p:nvSpPr>
+          <p:cNvPr id="2" name="Slide Image Placeholder 1"/>
+          <p:cNvSpPr>
+            <a:spLocks noGrp="1" noRot="1" noChangeAspect="1"/>
+          </p:cNvSpPr>
+          <p:nvPr>
+            <p:ph type="sldImg"/>
+          </p:nvPr>
+        </p:nvSpPr>
+        <p:spPr/>
+      </p:sp>
+      <p:sp>
+        <p:nvSpPr>
+          <p:cNvPr id="3" name="Notes Placeholder 2"/>
+          <p:cNvSpPr>
+            <a:spLocks noGrp="1"/>
+          </p:cNvSpPr>
+          <p:nvPr>
+            <p:ph type="body" idx="1"/>
+          </p:nvPr>
+        </p:nvSpPr>
+        <p:spPr/>
+        <p:txBody>
+          <a:bodyPr/>
+          <a:lstStyle/>
+          <a:p>
+            <a:endParaRPr lang="en-US" dirty="0"/>
+          </a:p>
+        </p:txBody>
+      </p:sp>
+      <p:sp>
+        <p:nvSpPr>
+          <p:cNvPr id="4" name="Slide Number Placeholder 3"/>
+          <p:cNvSpPr>
+            <a:spLocks noGrp="1"/>
+          </p:cNvSpPr>
+          <p:nvPr>
+            <p:ph type="sldNum" sz="quarter" idx="10"/>
+          </p:nvPr>
+        </p:nvSpPr>
+        <p:spPr/>
+        <p:txBody>
+          <a:bodyPr/>
+          <a:lstStyle/>
+          <a:p>
+            <a:fld id="{3BF9693C-674C-4668-97DA-E7EB7AA52C3E}" type="slidenum">
+              <a:rPr lang="en-US" smtClean="0"/>
+              <a:t>4</a:t>
+            </a:fld>
+            <a:endParaRPr lang="en-US"/>
+          </a:p>
+        </p:txBody>
+      </p:sp>
+    </p:spTree>
+    <p:extLst>
+      <p:ext uri="{BB962C8B-B14F-4D97-AF65-F5344CB8AC3E}">
+        <p14:creationId xmlns:p14="http://schemas.microsoft.com/office/powerpoint/2010/main" val="4073369450"/>
+      </p:ext>
+    </p:extLst>
+  </p:cSld>
+  <p:clrMapOvr>
+    <a:masterClrMapping/>
+  </p:clrMapOvr>
+</p:notes>
+</file>
+
+<file path=ppt/notesSlides/notesSlide2.xml><?xml version="1.0" encoding="utf-8"?>
+<p:notes xmlns:a="http://schemas.openxmlformats.org/drawingml/2006/main" xmlns:r="http://schemas.openxmlformats.org/officeDocument/2006/relationships" xmlns:p="http://schemas.openxmlformats.org/presentationml/2006/main">
+  <p:cSld>
+    <p:spTree>
+      <p:nvGrpSpPr>
+        <p:cNvPr id="1" name=""/>
+        <p:cNvGrpSpPr/>
+        <p:nvPr/>
+      </p:nvGrpSpPr>
+      <p:grpSpPr>
+        <a:xfrm>
+          <a:off x="0" y="0"/>
+          <a:ext cx="0" cy="0"/>
+          <a:chOff x="0" y="0"/>
+          <a:chExt cx="0" cy="0"/>
+        </a:xfrm>
+      </p:grpSpPr>
+      <p:sp>
+        <p:nvSpPr>
+          <p:cNvPr id="2" name="Slide Image Placeholder 1"/>
+          <p:cNvSpPr>
+            <a:spLocks noGrp="1" noRot="1" noChangeAspect="1"/>
+          </p:cNvSpPr>
+          <p:nvPr>
+            <p:ph type="sldImg"/>
+          </p:nvPr>
+        </p:nvSpPr>
+        <p:spPr/>
+      </p:sp>
+      <p:sp>
+        <p:nvSpPr>
+          <p:cNvPr id="3" name="Notes Placeholder 2"/>
+          <p:cNvSpPr>
+            <a:spLocks noGrp="1"/>
+          </p:cNvSpPr>
+          <p:nvPr>
+            <p:ph type="body" idx="1"/>
+          </p:nvPr>
+        </p:nvSpPr>
+        <p:spPr/>
+        <p:txBody>
+          <a:bodyPr/>
+          <a:lstStyle/>
+          <a:p>
+            <a:endParaRPr lang="en-US" dirty="0"/>
+          </a:p>
+        </p:txBody>
+      </p:sp>
+      <p:sp>
+        <p:nvSpPr>
+          <p:cNvPr id="4" name="Slide Number Placeholder 3"/>
+          <p:cNvSpPr>
+            <a:spLocks noGrp="1"/>
+          </p:cNvSpPr>
+          <p:nvPr>
+            <p:ph type="sldNum" sz="quarter" idx="10"/>
+          </p:nvPr>
+        </p:nvSpPr>
+        <p:spPr/>
+        <p:txBody>
+          <a:bodyPr/>
+          <a:lstStyle/>
+          <a:p>
+            <a:fld id="{3BF9693C-674C-4668-97DA-E7EB7AA52C3E}" type="slidenum">
+              <a:rPr lang="en-US" smtClean="0"/>
+              <a:t>5</a:t>
+            </a:fld>
+            <a:endParaRPr lang="en-US"/>
+          </a:p>
+        </p:txBody>
+      </p:sp>
+    </p:spTree>
+    <p:extLst>
+      <p:ext uri="{BB962C8B-B14F-4D97-AF65-F5344CB8AC3E}">
+        <p14:creationId xmlns:p14="http://schemas.microsoft.com/office/powerpoint/2010/main" val="1988515192"/>
+      </p:ext>
+    </p:extLst>
+  </p:cSld>
+  <p:clrMapOvr>
+    <a:masterClrMapping/>
+  </p:clrMapOvr>
+</p:notes>
+</file>
+
 <file path=ppt/slideLayouts/slideLayout1.xml><?xml version="1.0" encoding="utf-8"?>
 <p:sldLayout xmlns:a="http://schemas.openxmlformats.org/drawingml/2006/main" xmlns:r="http://schemas.openxmlformats.org/officeDocument/2006/relationships" xmlns:p="http://schemas.openxmlformats.org/presentationml/2006/main" type="title" preserve="1">
   <p:cSld name="Title Slide">
@@ -294,7 +815,7 @@
           <a:p>
             <a:fld id="{DD13DB93-76A0-45FB-ABE0-140B19975246}" type="datetimeFigureOut">
               <a:rPr lang="en-US" smtClean="0"/>
-              <a:t>5/6/2014</a:t>
+              <a:t>5/11/2014</a:t>
             </a:fld>
             <a:endParaRPr lang="en-US"/>
           </a:p>
@@ -464,7 +985,7 @@
           <a:p>
             <a:fld id="{DD13DB93-76A0-45FB-ABE0-140B19975246}" type="datetimeFigureOut">
               <a:rPr lang="en-US" smtClean="0"/>
-              <a:t>5/6/2014</a:t>
+              <a:t>5/11/2014</a:t>
             </a:fld>
             <a:endParaRPr lang="en-US"/>
           </a:p>
@@ -644,7 +1165,7 @@
           <a:p>
             <a:fld id="{DD13DB93-76A0-45FB-ABE0-140B19975246}" type="datetimeFigureOut">
               <a:rPr lang="en-US" smtClean="0"/>
-              <a:t>5/6/2014</a:t>
+              <a:t>5/11/2014</a:t>
             </a:fld>
             <a:endParaRPr lang="en-US"/>
           </a:p>
@@ -814,7 +1335,7 @@
           <a:p>
             <a:fld id="{DD13DB93-76A0-45FB-ABE0-140B19975246}" type="datetimeFigureOut">
               <a:rPr lang="en-US" smtClean="0"/>
-              <a:t>5/6/2014</a:t>
+              <a:t>5/11/2014</a:t>
             </a:fld>
             <a:endParaRPr lang="en-US"/>
           </a:p>
@@ -1060,7 +1581,7 @@
           <a:p>
             <a:fld id="{DD13DB93-76A0-45FB-ABE0-140B19975246}" type="datetimeFigureOut">
               <a:rPr lang="en-US" smtClean="0"/>
-              <a:t>5/6/2014</a:t>
+              <a:t>5/11/2014</a:t>
             </a:fld>
             <a:endParaRPr lang="en-US"/>
           </a:p>
@@ -1348,7 +1869,7 @@
           <a:p>
             <a:fld id="{DD13DB93-76A0-45FB-ABE0-140B19975246}" type="datetimeFigureOut">
               <a:rPr lang="en-US" smtClean="0"/>
-              <a:t>5/6/2014</a:t>
+              <a:t>5/11/2014</a:t>
             </a:fld>
             <a:endParaRPr lang="en-US"/>
           </a:p>
@@ -1770,7 +2291,7 @@
           <a:p>
             <a:fld id="{DD13DB93-76A0-45FB-ABE0-140B19975246}" type="datetimeFigureOut">
               <a:rPr lang="en-US" smtClean="0"/>
-              <a:t>5/6/2014</a:t>
+              <a:t>5/11/2014</a:t>
             </a:fld>
             <a:endParaRPr lang="en-US"/>
           </a:p>
@@ -1888,7 +2409,7 @@
           <a:p>
             <a:fld id="{DD13DB93-76A0-45FB-ABE0-140B19975246}" type="datetimeFigureOut">
               <a:rPr lang="en-US" smtClean="0"/>
-              <a:t>5/6/2014</a:t>
+              <a:t>5/11/2014</a:t>
             </a:fld>
             <a:endParaRPr lang="en-US"/>
           </a:p>
@@ -1983,7 +2504,7 @@
           <a:p>
             <a:fld id="{DD13DB93-76A0-45FB-ABE0-140B19975246}" type="datetimeFigureOut">
               <a:rPr lang="en-US" smtClean="0"/>
-              <a:t>5/6/2014</a:t>
+              <a:t>5/11/2014</a:t>
             </a:fld>
             <a:endParaRPr lang="en-US"/>
           </a:p>
@@ -2260,7 +2781,7 @@
           <a:p>
             <a:fld id="{DD13DB93-76A0-45FB-ABE0-140B19975246}" type="datetimeFigureOut">
               <a:rPr lang="en-US" smtClean="0"/>
-              <a:t>5/6/2014</a:t>
+              <a:t>5/11/2014</a:t>
             </a:fld>
             <a:endParaRPr lang="en-US"/>
           </a:p>
@@ -2513,7 +3034,7 @@
           <a:p>
             <a:fld id="{DD13DB93-76A0-45FB-ABE0-140B19975246}" type="datetimeFigureOut">
               <a:rPr lang="en-US" smtClean="0"/>
-              <a:t>5/6/2014</a:t>
+              <a:t>5/11/2014</a:t>
             </a:fld>
             <a:endParaRPr lang="en-US"/>
           </a:p>
@@ -2726,7 +3247,7 @@
           <a:p>
             <a:fld id="{DD13DB93-76A0-45FB-ABE0-140B19975246}" type="datetimeFigureOut">
               <a:rPr lang="en-US" smtClean="0"/>
-              <a:t>5/6/2014</a:t>
+              <a:t>5/11/2014</a:t>
             </a:fld>
             <a:endParaRPr lang="en-US"/>
           </a:p>
@@ -3371,22 +3892,16 @@
         </p:nvSpPr>
         <p:spPr/>
         <p:txBody>
-          <a:bodyPr/>
-          <a:lstStyle/>
-          <a:p>
-            <a:r>
-              <a:rPr lang="en-US" dirty="0" smtClean="0">
-                <a:solidFill>
-                  <a:srgbClr val="FF0000"/>
-                </a:solidFill>
-              </a:rPr>
-              <a:t>Overview</a:t>
-            </a:r>
-            <a:endParaRPr lang="en-US" dirty="0">
-              <a:solidFill>
-                <a:srgbClr val="FF0000"/>
-              </a:solidFill>
-            </a:endParaRPr>
+          <a:bodyPr>
+            <a:normAutofit/>
+          </a:bodyPr>
+          <a:lstStyle/>
+          <a:p>
+            <a:r>
+              <a:rPr lang="en-US" sz="5400" dirty="0" smtClean="0"/>
+              <a:t>Question of Interest</a:t>
+            </a:r>
+            <a:endParaRPr lang="en-US" sz="5400" dirty="0"/>
           </a:p>
         </p:txBody>
       </p:sp>
@@ -3402,17 +3917,26 @@
         </p:nvSpPr>
         <p:spPr/>
         <p:txBody>
-          <a:bodyPr/>
-          <a:lstStyle/>
-          <a:p>
-            <a:endParaRPr lang="en-US" dirty="0"/>
+          <a:bodyPr>
+            <a:normAutofit/>
+          </a:bodyPr>
+          <a:lstStyle/>
+          <a:p>
+            <a:pPr marL="0" indent="0">
+              <a:buNone/>
+            </a:pPr>
+            <a:r>
+              <a:rPr lang="en-US" sz="3500" i="1" dirty="0"/>
+              <a:t>What time of the day and day of the week is best for avoiding flight delays?</a:t>
+            </a:r>
+            <a:endParaRPr lang="en-US" sz="3500" dirty="0"/>
           </a:p>
         </p:txBody>
       </p:sp>
     </p:spTree>
     <p:extLst>
       <p:ext uri="{BB962C8B-B14F-4D97-AF65-F5344CB8AC3E}">
-        <p14:creationId xmlns:p14="http://schemas.microsoft.com/office/powerpoint/2010/main" val="1189996233"/>
+        <p14:creationId xmlns:p14="http://schemas.microsoft.com/office/powerpoint/2010/main" val="2433822280"/>
       </p:ext>
     </p:extLst>
   </p:cSld>
@@ -3456,13 +3980,13 @@
           <a:p>
             <a:r>
               <a:rPr lang="en-US" dirty="0" smtClean="0"/>
-              <a:t>Question </a:t>
-            </a:r>
-            <a:r>
-              <a:rPr lang="en-US" smtClean="0"/>
-              <a:t>of Interest</a:t>
-            </a:r>
-            <a:endParaRPr lang="en-US"/>
+              <a:t>Assump</a:t>
+            </a:r>
+            <a:r>
+              <a:rPr lang="en-US" dirty="0" smtClean="0"/>
+              <a:t>tions</a:t>
+            </a:r>
+            <a:endParaRPr lang="en-US" dirty="0"/>
           </a:p>
         </p:txBody>
       </p:sp>
@@ -3481,14 +4005,72 @@
           <a:bodyPr/>
           <a:lstStyle/>
           <a:p>
-            <a:endParaRPr lang="en-US"/>
-          </a:p>
-        </p:txBody>
-      </p:sp>
+            <a:r>
+              <a:rPr lang="en-US" dirty="0" smtClean="0"/>
+              <a:t>Redefined the population to only include the last 3 years (2011-2013)</a:t>
+            </a:r>
+          </a:p>
+          <a:p>
+            <a:endParaRPr lang="en-US" dirty="0"/>
+          </a:p>
+          <a:p>
+            <a:r>
+              <a:rPr lang="en-US" dirty="0" smtClean="0"/>
+              <a:t>Arrival delay</a:t>
+            </a:r>
+          </a:p>
+          <a:p>
+            <a:endParaRPr lang="en-US" dirty="0"/>
+          </a:p>
+          <a:p>
+            <a:r>
+              <a:rPr lang="en-US" dirty="0" smtClean="0"/>
+              <a:t>Made negative times 	   zero</a:t>
+            </a:r>
+            <a:endParaRPr lang="en-US" dirty="0"/>
+          </a:p>
+        </p:txBody>
+      </p:sp>
+      <p:cxnSp>
+        <p:nvCxnSpPr>
+          <p:cNvPr id="5" name="Straight Arrow Connector 4"/>
+          <p:cNvCxnSpPr/>
+          <p:nvPr/>
+        </p:nvCxnSpPr>
+        <p:spPr>
+          <a:xfrm>
+            <a:off x="4495800" y="4728882"/>
+            <a:ext cx="762000" cy="0"/>
+          </a:xfrm>
+          <a:prstGeom prst="straightConnector1">
+            <a:avLst/>
+          </a:prstGeom>
+          <a:ln>
+            <a:solidFill>
+              <a:schemeClr val="tx1"/>
+            </a:solidFill>
+            <a:tailEnd type="arrow"/>
+          </a:ln>
+        </p:spPr>
+        <p:style>
+          <a:lnRef idx="1">
+            <a:schemeClr val="accent1"/>
+          </a:lnRef>
+          <a:fillRef idx="0">
+            <a:schemeClr val="accent1"/>
+          </a:fillRef>
+          <a:effectRef idx="0">
+            <a:schemeClr val="accent1"/>
+          </a:effectRef>
+          <a:fontRef idx="minor">
+            <a:schemeClr val="tx1"/>
+          </a:fontRef>
+        </p:style>
+      </p:cxnSp>
     </p:spTree>
     <p:extLst>
       <p:ext uri="{BB962C8B-B14F-4D97-AF65-F5344CB8AC3E}">
-        <p14:creationId xmlns:p14="http://schemas.microsoft.com/office/powerpoint/2010/main" val="2433822280"/>
+        <p14:creationId xmlns:p14="http://schemas.microsoft.com/office/powerpoint/2010/main" val="1189996233"/>
       </p:ext>
     </p:extLst>
   </p:cSld>
@@ -3538,29 +4120,35 @@
           </a:p>
         </p:txBody>
       </p:sp>
-      <p:sp>
-        <p:nvSpPr>
-          <p:cNvPr id="3" name="Content Placeholder 2"/>
-          <p:cNvSpPr>
-            <a:spLocks noGrp="1"/>
-          </p:cNvSpPr>
+      <p:pic>
+        <p:nvPicPr>
+          <p:cNvPr id="4" name="Content Placeholder 3"/>
+          <p:cNvPicPr>
+            <a:picLocks noGrp="1" noChangeAspect="1"/>
+          </p:cNvPicPr>
           <p:nvPr>
             <p:ph idx="1"/>
           </p:nvPr>
-        </p:nvSpPr>
-        <p:spPr/>
-        <p:txBody>
-          <a:bodyPr/>
-          <a:lstStyle/>
-          <a:p>
-            <a:r>
-              <a:rPr lang="en-US" dirty="0" smtClean="0"/>
-              <a:t>Assumptions</a:t>
-            </a:r>
-            <a:endParaRPr lang="en-US" dirty="0"/>
-          </a:p>
-        </p:txBody>
-      </p:sp>
+        </p:nvPicPr>
+        <p:blipFill>
+          <a:blip r:embed="rId3">
+            <a:extLst>
+              <a:ext uri="{28A0092B-C50C-407E-A947-70E740481C1C}">
+                <a14:useLocalDpi xmlns:a14="http://schemas.microsoft.com/office/drawing/2010/main" val="0"/>
+              </a:ext>
+            </a:extLst>
+          </a:blip>
+          <a:stretch>
+            <a:fillRect/>
+          </a:stretch>
+        </p:blipFill>
+        <p:spPr>
+          <a:xfrm>
+            <a:off x="76199" y="1137829"/>
+            <a:ext cx="8933311" cy="5415371"/>
+          </a:xfrm>
+        </p:spPr>
+      </p:pic>
     </p:spTree>
     <p:extLst>
       <p:ext uri="{BB962C8B-B14F-4D97-AF65-F5344CB8AC3E}">
@@ -3614,29 +4202,35 @@
           </a:p>
         </p:txBody>
       </p:sp>
-      <p:sp>
-        <p:nvSpPr>
-          <p:cNvPr id="3" name="Content Placeholder 2"/>
-          <p:cNvSpPr>
-            <a:spLocks noGrp="1"/>
-          </p:cNvSpPr>
+      <p:pic>
+        <p:nvPicPr>
+          <p:cNvPr id="4" name="Content Placeholder 3"/>
+          <p:cNvPicPr>
+            <a:picLocks noGrp="1" noChangeAspect="1"/>
+          </p:cNvPicPr>
           <p:nvPr>
             <p:ph idx="1"/>
           </p:nvPr>
-        </p:nvSpPr>
-        <p:spPr/>
-        <p:txBody>
-          <a:bodyPr/>
-          <a:lstStyle/>
-          <a:p>
-            <a:r>
-              <a:rPr lang="en-US" dirty="0" smtClean="0"/>
-              <a:t>Assumptions</a:t>
-            </a:r>
-            <a:endParaRPr lang="en-US" dirty="0"/>
-          </a:p>
-        </p:txBody>
-      </p:sp>
+        </p:nvPicPr>
+        <p:blipFill>
+          <a:blip r:embed="rId3">
+            <a:extLst>
+              <a:ext uri="{28A0092B-C50C-407E-A947-70E740481C1C}">
+                <a14:useLocalDpi xmlns:a14="http://schemas.microsoft.com/office/drawing/2010/main" val="0"/>
+              </a:ext>
+            </a:extLst>
+          </a:blip>
+          <a:stretch>
+            <a:fillRect/>
+          </a:stretch>
+        </p:blipFill>
+        <p:spPr>
+          <a:xfrm>
+            <a:off x="97836" y="1295400"/>
+            <a:ext cx="8895772" cy="5105400"/>
+          </a:xfrm>
+        </p:spPr>
+      </p:pic>
     </p:spTree>
     <p:extLst>
       <p:ext uri="{BB962C8B-B14F-4D97-AF65-F5344CB8AC3E}">
@@ -3785,7 +4379,53 @@
           <a:bodyPr/>
           <a:lstStyle/>
           <a:p>
-            <a:endParaRPr lang="en-US"/>
+            <a:pPr marL="514350" indent="-514350">
+              <a:buFont typeface="+mj-lt"/>
+              <a:buAutoNum type="arabicPeriod"/>
+            </a:pPr>
+            <a:r>
+              <a:rPr lang="en-US" dirty="0" smtClean="0"/>
+              <a:t>Defining the population</a:t>
+            </a:r>
+          </a:p>
+          <a:p>
+            <a:pPr marL="514350" indent="-514350">
+              <a:buFont typeface="+mj-lt"/>
+              <a:buAutoNum type="arabicPeriod"/>
+            </a:pPr>
+            <a:r>
+              <a:rPr lang="en-US" dirty="0" smtClean="0"/>
+              <a:t>Deciding which delay was worse</a:t>
+            </a:r>
+          </a:p>
+          <a:p>
+            <a:pPr marL="0" indent="0">
+              <a:buNone/>
+            </a:pPr>
+            <a:r>
+              <a:rPr lang="en-US" dirty="0" smtClean="0"/>
+              <a:t> (arrival or departure)</a:t>
+            </a:r>
+          </a:p>
+          <a:p>
+            <a:pPr marL="514350" indent="-514350">
+              <a:buFont typeface="+mj-lt"/>
+              <a:buAutoNum type="arabicPeriod" startAt="3"/>
+            </a:pPr>
+            <a:r>
+              <a:rPr lang="en-US" dirty="0" smtClean="0"/>
+              <a:t>Specific times, not indexed</a:t>
+            </a:r>
+          </a:p>
+          <a:p>
+            <a:pPr marL="514350" indent="-514350">
+              <a:buFont typeface="+mj-lt"/>
+              <a:buAutoNum type="arabicPeriod" startAt="3"/>
+            </a:pPr>
+            <a:r>
+              <a:rPr lang="en-US" dirty="0" smtClean="0"/>
+              <a:t>Size of data</a:t>
+            </a:r>
           </a:p>
         </p:txBody>
       </p:sp>
@@ -4085,4 +4725,289 @@
   <a:objectDefaults/>
   <a:extraClrSchemeLst/>
 </a:theme>
+</file>
+
+<file path=ppt/theme/theme2.xml><?xml version="1.0" encoding="utf-8"?>
+<a:theme xmlns:a="http://schemas.openxmlformats.org/drawingml/2006/main" name="Office Theme">
+  <a:themeElements>
+    <a:clrScheme name="Office">
+      <a:dk1>
+        <a:sysClr val="windowText" lastClr="000000"/>
+      </a:dk1>
+      <a:lt1>
+        <a:sysClr val="window" lastClr="FFFFFF"/>
+      </a:lt1>
+      <a:dk2>
+        <a:srgbClr val="1F497D"/>
+      </a:dk2>
+      <a:lt2>
+        <a:srgbClr val="EEECE1"/>
+      </a:lt2>
+      <a:accent1>
+        <a:srgbClr val="4F81BD"/>
+      </a:accent1>
+      <a:accent2>
+        <a:srgbClr val="C0504D"/>
+      </a:accent2>
+      <a:accent3>
+        <a:srgbClr val="9BBB59"/>
+      </a:accent3>
+      <a:accent4>
+        <a:srgbClr val="8064A2"/>
+      </a:accent4>
+      <a:accent5>
+        <a:srgbClr val="4BACC6"/>
+      </a:accent5>
+      <a:accent6>
+        <a:srgbClr val="F79646"/>
+      </a:accent6>
+      <a:hlink>
+        <a:srgbClr val="0000FF"/>
+      </a:hlink>
+      <a:folHlink>
+        <a:srgbClr val="800080"/>
+      </a:folHlink>
+    </a:clrScheme>
+    <a:fontScheme name="Office">
+      <a:majorFont>
+        <a:latin typeface="Calibri"/>
+        <a:ea typeface=""/>
+        <a:cs typeface=""/>
+        <a:font script="Jpan" typeface="ＭＳ Ｐゴシック"/>
+        <a:font script="Hang" typeface="맑은 고딕"/>
+        <a:font script="Hans" typeface="宋体"/>
+        <a:font script="Hant" typeface="新細明體"/>
+        <a:font script="Arab" typeface="Times New Roman"/>
+        <a:font script="Hebr" typeface="Times New Roman"/>
+        <a:font script="Thai" typeface="Angsana New"/>
+        <a:font script="Ethi" typeface="Nyala"/>
+        <a:font script="Beng" typeface="Vrinda"/>
+        <a:font script="Gujr" typeface="Shruti"/>
+        <a:font script="Khmr" typeface="MoolBoran"/>
+        <a:font script="Knda" typeface="Tunga"/>
+        <a:font script="Guru" typeface="Raavi"/>
+        <a:font script="Cans" typeface="Euphemia"/>
+        <a:font script="Cher" typeface="Plantagenet Cherokee"/>
+        <a:font script="Yiii" typeface="Microsoft Yi Baiti"/>
+        <a:font script="Tibt" typeface="Microsoft Himalaya"/>
+        <a:font script="Thaa" typeface="MV Boli"/>
+        <a:font script="Deva" typeface="Mangal"/>
+        <a:font script="Telu" typeface="Gautami"/>
+        <a:font script="Taml" typeface="Latha"/>
+        <a:font script="Syrc" typeface="Estrangelo Edessa"/>
+        <a:font script="Orya" typeface="Kalinga"/>
+        <a:font script="Mlym" typeface="Kartika"/>
+        <a:font script="Laoo" typeface="DokChampa"/>
+        <a:font script="Sinh" typeface="Iskoola Pota"/>
+        <a:font script="Mong" typeface="Mongolian Baiti"/>
+        <a:font script="Viet" typeface="Times New Roman"/>
+        <a:font script="Uigh" typeface="Microsoft Uighur"/>
+        <a:font script="Geor" typeface="Sylfaen"/>
+      </a:majorFont>
+      <a:minorFont>
+        <a:latin typeface="Calibri"/>
+        <a:ea typeface=""/>
+        <a:cs typeface=""/>
+        <a:font script="Jpan" typeface="ＭＳ Ｐゴシック"/>
+        <a:font script="Hang" typeface="맑은 고딕"/>
+        <a:font script="Hans" typeface="宋体"/>
+        <a:font script="Hant" typeface="新細明體"/>
+        <a:font script="Arab" typeface="Arial"/>
+        <a:font script="Hebr" typeface="Arial"/>
+        <a:font script="Thai" typeface="Cordia New"/>
+        <a:font script="Ethi" typeface="Nyala"/>
+        <a:font script="Beng" typeface="Vrinda"/>
+        <a:font script="Gujr" typeface="Shruti"/>
+        <a:font script="Khmr" typeface="DaunPenh"/>
+        <a:font script="Knda" typeface="Tunga"/>
+        <a:font script="Guru" typeface="Raavi"/>
+        <a:font script="Cans" typeface="Euphemia"/>
+        <a:font script="Cher" typeface="Plantagenet Cherokee"/>
+        <a:font script="Yiii" typeface="Microsoft Yi Baiti"/>
+        <a:font script="Tibt" typeface="Microsoft Himalaya"/>
+        <a:font script="Thaa" typeface="MV Boli"/>
+        <a:font script="Deva" typeface="Mangal"/>
+        <a:font script="Telu" typeface="Gautami"/>
+        <a:font script="Taml" typeface="Latha"/>
+        <a:font script="Syrc" typeface="Estrangelo Edessa"/>
+        <a:font script="Orya" typeface="Kalinga"/>
+        <a:font script="Mlym" typeface="Kartika"/>
+        <a:font script="Laoo" typeface="DokChampa"/>
+        <a:font script="Sinh" typeface="Iskoola Pota"/>
+        <a:font script="Mong" typeface="Mongolian Baiti"/>
+        <a:font script="Viet" typeface="Arial"/>
+        <a:font script="Uigh" typeface="Microsoft Uighur"/>
+        <a:font script="Geor" typeface="Sylfaen"/>
+      </a:minorFont>
+    </a:fontScheme>
+    <a:fmtScheme name="Office">
+      <a:fillStyleLst>
+        <a:solidFill>
+          <a:schemeClr val="phClr"/>
+        </a:solidFill>
+        <a:gradFill rotWithShape="1">
+          <a:gsLst>
+            <a:gs pos="0">
+              <a:schemeClr val="phClr">
+                <a:tint val="50000"/>
+                <a:satMod val="300000"/>
+              </a:schemeClr>
+            </a:gs>
+            <a:gs pos="35000">
+              <a:schemeClr val="phClr">
+                <a:tint val="37000"/>
+                <a:satMod val="300000"/>
+              </a:schemeClr>
+            </a:gs>
+            <a:gs pos="100000">
+              <a:schemeClr val="phClr">
+                <a:tint val="15000"/>
+                <a:satMod val="350000"/>
+              </a:schemeClr>
+            </a:gs>
+          </a:gsLst>
+          <a:lin ang="16200000" scaled="1"/>
+        </a:gradFill>
+        <a:gradFill rotWithShape="1">
+          <a:gsLst>
+            <a:gs pos="0">
+              <a:schemeClr val="phClr">
+                <a:shade val="51000"/>
+                <a:satMod val="130000"/>
+              </a:schemeClr>
+            </a:gs>
+            <a:gs pos="80000">
+              <a:schemeClr val="phClr">
+                <a:shade val="93000"/>
+                <a:satMod val="130000"/>
+              </a:schemeClr>
+            </a:gs>
+            <a:gs pos="100000">
+              <a:schemeClr val="phClr">
+                <a:shade val="94000"/>
+                <a:satMod val="135000"/>
+              </a:schemeClr>
+            </a:gs>
+          </a:gsLst>
+          <a:lin ang="16200000" scaled="0"/>
+        </a:gradFill>
+      </a:fillStyleLst>
+      <a:lnStyleLst>
+        <a:ln w="9525" cap="flat" cmpd="sng" algn="ctr">
+          <a:solidFill>
+            <a:schemeClr val="phClr">
+              <a:shade val="95000"/>
+              <a:satMod val="105000"/>
+            </a:schemeClr>
+          </a:solidFill>
+          <a:prstDash val="solid"/>
+        </a:ln>
+        <a:ln w="25400" cap="flat" cmpd="sng" algn="ctr">
+          <a:solidFill>
+            <a:schemeClr val="phClr"/>
+          </a:solidFill>
+          <a:prstDash val="solid"/>
+        </a:ln>
+        <a:ln w="38100" cap="flat" cmpd="sng" algn="ctr">
+          <a:solidFill>
+            <a:schemeClr val="phClr"/>
+          </a:solidFill>
+          <a:prstDash val="solid"/>
+        </a:ln>
+      </a:lnStyleLst>
+      <a:effectStyleLst>
+        <a:effectStyle>
+          <a:effectLst>
+            <a:outerShdw blurRad="40000" dist="20000" dir="5400000" rotWithShape="0">
+              <a:srgbClr val="000000">
+                <a:alpha val="38000"/>
+              </a:srgbClr>
+            </a:outerShdw>
+          </a:effectLst>
+        </a:effectStyle>
+        <a:effectStyle>
+          <a:effectLst>
+            <a:outerShdw blurRad="40000" dist="23000" dir="5400000" rotWithShape="0">
+              <a:srgbClr val="000000">
+                <a:alpha val="35000"/>
+              </a:srgbClr>
+            </a:outerShdw>
+          </a:effectLst>
+        </a:effectStyle>
+        <a:effectStyle>
+          <a:effectLst>
+            <a:outerShdw blurRad="40000" dist="23000" dir="5400000" rotWithShape="0">
+              <a:srgbClr val="000000">
+                <a:alpha val="35000"/>
+              </a:srgbClr>
+            </a:outerShdw>
+          </a:effectLst>
+          <a:scene3d>
+            <a:camera prst="orthographicFront">
+              <a:rot lat="0" lon="0" rev="0"/>
+            </a:camera>
+            <a:lightRig rig="threePt" dir="t">
+              <a:rot lat="0" lon="0" rev="1200000"/>
+            </a:lightRig>
+          </a:scene3d>
+          <a:sp3d>
+            <a:bevelT w="63500" h="25400"/>
+          </a:sp3d>
+        </a:effectStyle>
+      </a:effectStyleLst>
+      <a:bgFillStyleLst>
+        <a:solidFill>
+          <a:schemeClr val="phClr"/>
+        </a:solidFill>
+        <a:gradFill rotWithShape="1">
+          <a:gsLst>
+            <a:gs pos="0">
+              <a:schemeClr val="phClr">
+                <a:tint val="40000"/>
+                <a:satMod val="350000"/>
+              </a:schemeClr>
+            </a:gs>
+            <a:gs pos="40000">
+              <a:schemeClr val="phClr">
+                <a:tint val="45000"/>
+                <a:shade val="99000"/>
+                <a:satMod val="350000"/>
+              </a:schemeClr>
+            </a:gs>
+            <a:gs pos="100000">
+              <a:schemeClr val="phClr">
+                <a:shade val="20000"/>
+                <a:satMod val="255000"/>
+              </a:schemeClr>
+            </a:gs>
+          </a:gsLst>
+          <a:path path="circle">
+            <a:fillToRect l="50000" t="-80000" r="50000" b="180000"/>
+          </a:path>
+        </a:gradFill>
+        <a:gradFill rotWithShape="1">
+          <a:gsLst>
+            <a:gs pos="0">
+              <a:schemeClr val="phClr">
+                <a:tint val="80000"/>
+                <a:satMod val="300000"/>
+              </a:schemeClr>
+            </a:gs>
+            <a:gs pos="100000">
+              <a:schemeClr val="phClr">
+                <a:shade val="30000"/>
+                <a:satMod val="200000"/>
+              </a:schemeClr>
+            </a:gs>
+          </a:gsLst>
+          <a:path path="circle">
+            <a:fillToRect l="50000" t="50000" r="50000" b="50000"/>
+          </a:path>
+        </a:gradFill>
+      </a:bgFillStyleLst>
+    </a:fmtScheme>
+  </a:themeElements>
+  <a:objectDefaults/>
+  <a:extraClrSchemeLst/>
+</a:theme>
 </file>
--- a/project_2_presentation.pptx
+++ b/project_2_presentation.pptx
@@ -5,16 +5,19 @@
     <p:sldMasterId id="2147483648" r:id="rId1"/>
   </p:sldMasterIdLst>
   <p:notesMasterIdLst>
-    <p:notesMasterId r:id="rId9"/>
+    <p:notesMasterId r:id="rId12"/>
   </p:notesMasterIdLst>
   <p:sldIdLst>
     <p:sldId id="256" r:id="rId2"/>
     <p:sldId id="262" r:id="rId3"/>
     <p:sldId id="257" r:id="rId4"/>
     <p:sldId id="258" r:id="rId5"/>
-    <p:sldId id="259" r:id="rId6"/>
-    <p:sldId id="260" r:id="rId7"/>
-    <p:sldId id="261" r:id="rId8"/>
+    <p:sldId id="264" r:id="rId6"/>
+    <p:sldId id="259" r:id="rId7"/>
+    <p:sldId id="265" r:id="rId8"/>
+    <p:sldId id="263" r:id="rId9"/>
+    <p:sldId id="261" r:id="rId10"/>
+    <p:sldId id="266" r:id="rId11"/>
   </p:sldIdLst>
   <p:sldSz cx="9144000" cy="6858000" type="screen4x3"/>
   <p:notesSz cx="6858000" cy="9144000"/>
@@ -198,7 +201,7 @@
           <a:p>
             <a:fld id="{C5F8BAF5-3FF5-421E-A723-E6242AAB3235}" type="datetimeFigureOut">
               <a:rPr lang="en-US" smtClean="0"/>
-              <a:t>5/11/2014</a:t>
+              <a:t>5/12/2014</a:t>
             </a:fld>
             <a:endParaRPr lang="en-US"/>
           </a:p>
@@ -510,6 +513,14 @@
           <a:bodyPr/>
           <a:lstStyle/>
           <a:p>
+            <a:r>
+              <a:rPr lang="en-US" dirty="0" smtClean="0"/>
+              <a:t>Animations!</a:t>
+            </a:r>
+            <a:r>
+              <a:rPr lang="en-US" baseline="0" dirty="0" smtClean="0"/>
+              <a:t> </a:t>
+            </a:r>
             <a:endParaRPr lang="en-US" dirty="0"/>
           </a:p>
         </p:txBody>
@@ -594,6 +605,18 @@
           <a:bodyPr/>
           <a:lstStyle/>
           <a:p>
+            <a:r>
+              <a:rPr lang="en-US" sz="1200" kern="1200" dirty="0" smtClean="0">
+                <a:solidFill>
+                  <a:schemeClr val="tx1"/>
+                </a:solidFill>
+                <a:effectLst/>
+                <a:latin typeface="+mn-lt"/>
+                <a:ea typeface="+mn-ea"/>
+                <a:cs typeface="+mn-cs"/>
+              </a:rPr>
+              <a:t>We considered several sampling designs and decided to stratify by day of week and hour of day.  Our initial simple random sample gave small subsamples for late evening/early morning flights, and omitted some hours entirely on some days.  By stratifying, we ensured we could estimate a value for all 168 (24 hours * 7 days) times.  We sampled roughly 2000 flights in each stratum, or the whole population if that was smaller. </a:t>
+            </a:r>
             <a:endParaRPr lang="en-US" dirty="0"/>
           </a:p>
         </p:txBody>
@@ -616,6 +639,327 @@
             <a:fld id="{3BF9693C-674C-4668-97DA-E7EB7AA52C3E}" type="slidenum">
               <a:rPr lang="en-US" smtClean="0"/>
               <a:t>5</a:t>
+            </a:fld>
+            <a:endParaRPr lang="en-US"/>
+          </a:p>
+        </p:txBody>
+      </p:sp>
+    </p:spTree>
+    <p:extLst>
+      <p:ext uri="{BB962C8B-B14F-4D97-AF65-F5344CB8AC3E}">
+        <p14:creationId xmlns:p14="http://schemas.microsoft.com/office/powerpoint/2010/main" val="4163855932"/>
+      </p:ext>
+    </p:extLst>
+  </p:cSld>
+  <p:clrMapOvr>
+    <a:masterClrMapping/>
+  </p:clrMapOvr>
+</p:notes>
+</file>
+
+<file path=ppt/notesSlides/notesSlide3.xml><?xml version="1.0" encoding="utf-8"?>
+<p:notes xmlns:a="http://schemas.openxmlformats.org/drawingml/2006/main" xmlns:r="http://schemas.openxmlformats.org/officeDocument/2006/relationships" xmlns:p="http://schemas.openxmlformats.org/presentationml/2006/main">
+  <p:cSld>
+    <p:spTree>
+      <p:nvGrpSpPr>
+        <p:cNvPr id="1" name=""/>
+        <p:cNvGrpSpPr/>
+        <p:nvPr/>
+      </p:nvGrpSpPr>
+      <p:grpSpPr>
+        <a:xfrm>
+          <a:off x="0" y="0"/>
+          <a:ext cx="0" cy="0"/>
+          <a:chOff x="0" y="0"/>
+          <a:chExt cx="0" cy="0"/>
+        </a:xfrm>
+      </p:grpSpPr>
+      <p:sp>
+        <p:nvSpPr>
+          <p:cNvPr id="2" name="Slide Image Placeholder 1"/>
+          <p:cNvSpPr>
+            <a:spLocks noGrp="1" noRot="1" noChangeAspect="1"/>
+          </p:cNvSpPr>
+          <p:nvPr>
+            <p:ph type="sldImg"/>
+          </p:nvPr>
+        </p:nvSpPr>
+        <p:spPr/>
+      </p:sp>
+      <p:sp>
+        <p:nvSpPr>
+          <p:cNvPr id="3" name="Notes Placeholder 2"/>
+          <p:cNvSpPr>
+            <a:spLocks noGrp="1"/>
+          </p:cNvSpPr>
+          <p:nvPr>
+            <p:ph type="body" idx="1"/>
+          </p:nvPr>
+        </p:nvSpPr>
+        <p:spPr/>
+        <p:txBody>
+          <a:bodyPr/>
+          <a:lstStyle/>
+          <a:p>
+            <a:pPr marL="0" marR="0" indent="0" algn="l" defTabSz="914400" rtl="0" eaLnBrk="1" fontAlgn="auto" latinLnBrk="0" hangingPunct="1">
+              <a:lnSpc>
+                <a:spcPct val="100000"/>
+              </a:lnSpc>
+              <a:spcBef>
+                <a:spcPts val="0"/>
+              </a:spcBef>
+              <a:spcAft>
+                <a:spcPts val="0"/>
+              </a:spcAft>
+              <a:buClrTx/>
+              <a:buSzTx/>
+              <a:buFontTx/>
+              <a:buNone/>
+              <a:tabLst/>
+              <a:defRPr/>
+            </a:pPr>
+            <a:r>
+              <a:rPr lang="en-US" dirty="0" smtClean="0"/>
+              <a:t>Saturday morning at 3:00 am still highest delay and Thursday at 8:00 pm still largest proportion. But now</a:t>
+            </a:r>
+            <a:r>
+              <a:rPr lang="en-US" baseline="0" dirty="0" smtClean="0"/>
+              <a:t> we have Sunday at 7:00 am with the shortest delay and Wednesday at 5:00 am with the lowest proportion. </a:t>
+            </a:r>
+          </a:p>
+          <a:p>
+            <a:pPr marL="0" marR="0" indent="0" algn="l" defTabSz="914400" rtl="0" eaLnBrk="1" fontAlgn="auto" latinLnBrk="0" hangingPunct="1">
+              <a:lnSpc>
+                <a:spcPct val="100000"/>
+              </a:lnSpc>
+              <a:spcBef>
+                <a:spcPts val="0"/>
+              </a:spcBef>
+              <a:spcAft>
+                <a:spcPts val="0"/>
+              </a:spcAft>
+              <a:buClrTx/>
+              <a:buSzTx/>
+              <a:buFontTx/>
+              <a:buNone/>
+              <a:tabLst/>
+              <a:defRPr/>
+            </a:pPr>
+            <a:endParaRPr lang="en-US" sz="1200" kern="1200" baseline="0" dirty="0" smtClean="0">
+              <a:solidFill>
+                <a:schemeClr val="tx1"/>
+              </a:solidFill>
+              <a:effectLst/>
+              <a:latin typeface="+mn-lt"/>
+              <a:ea typeface="+mn-ea"/>
+              <a:cs typeface="+mn-cs"/>
+            </a:endParaRPr>
+          </a:p>
+          <a:p>
+            <a:pPr marL="0" marR="0" indent="0" algn="l" defTabSz="914400" rtl="0" eaLnBrk="1" fontAlgn="auto" latinLnBrk="0" hangingPunct="1">
+              <a:lnSpc>
+                <a:spcPct val="100000"/>
+              </a:lnSpc>
+              <a:spcBef>
+                <a:spcPts val="0"/>
+              </a:spcBef>
+              <a:spcAft>
+                <a:spcPts val="0"/>
+              </a:spcAft>
+              <a:buClrTx/>
+              <a:buSzTx/>
+              <a:buFontTx/>
+              <a:buNone/>
+              <a:tabLst/>
+              <a:defRPr/>
+            </a:pPr>
+            <a:r>
+              <a:rPr lang="en-US" sz="1200" kern="1200" dirty="0" smtClean="0">
+                <a:solidFill>
+                  <a:schemeClr val="tx1"/>
+                </a:solidFill>
+                <a:effectLst/>
+                <a:latin typeface="+mn-lt"/>
+                <a:ea typeface="+mn-ea"/>
+                <a:cs typeface="+mn-cs"/>
+              </a:rPr>
+              <a:t>The sample data was able to show statistically significant differences between days for nearly all the daytime hours (p-values were inconclusive between 1 and 6 am) using ANOVA tests. The margin of error for each of the 168 confidence intervals, without any multiple comparisons correction, ranged from 1 to 10 minutes (2 minute average ME).</a:t>
+            </a:r>
+          </a:p>
+          <a:p>
+            <a:endParaRPr lang="en-US" dirty="0"/>
+          </a:p>
+        </p:txBody>
+      </p:sp>
+      <p:sp>
+        <p:nvSpPr>
+          <p:cNvPr id="4" name="Slide Number Placeholder 3"/>
+          <p:cNvSpPr>
+            <a:spLocks noGrp="1"/>
+          </p:cNvSpPr>
+          <p:nvPr>
+            <p:ph type="sldNum" sz="quarter" idx="10"/>
+          </p:nvPr>
+        </p:nvSpPr>
+        <p:spPr/>
+        <p:txBody>
+          <a:bodyPr/>
+          <a:lstStyle/>
+          <a:p>
+            <a:fld id="{3BF9693C-674C-4668-97DA-E7EB7AA52C3E}" type="slidenum">
+              <a:rPr lang="en-US" smtClean="0"/>
+              <a:t>6</a:t>
+            </a:fld>
+            <a:endParaRPr lang="en-US"/>
+          </a:p>
+        </p:txBody>
+      </p:sp>
+    </p:spTree>
+    <p:extLst>
+      <p:ext uri="{BB962C8B-B14F-4D97-AF65-F5344CB8AC3E}">
+        <p14:creationId xmlns:p14="http://schemas.microsoft.com/office/powerpoint/2010/main" val="1988515192"/>
+      </p:ext>
+    </p:extLst>
+  </p:cSld>
+  <p:clrMapOvr>
+    <a:masterClrMapping/>
+  </p:clrMapOvr>
+</p:notes>
+</file>
+
+<file path=ppt/notesSlides/notesSlide4.xml><?xml version="1.0" encoding="utf-8"?>
+<p:notes xmlns:a="http://schemas.openxmlformats.org/drawingml/2006/main" xmlns:r="http://schemas.openxmlformats.org/officeDocument/2006/relationships" xmlns:p="http://schemas.openxmlformats.org/presentationml/2006/main">
+  <p:cSld>
+    <p:spTree>
+      <p:nvGrpSpPr>
+        <p:cNvPr id="1" name=""/>
+        <p:cNvGrpSpPr/>
+        <p:nvPr/>
+      </p:nvGrpSpPr>
+      <p:grpSpPr>
+        <a:xfrm>
+          <a:off x="0" y="0"/>
+          <a:ext cx="0" cy="0"/>
+          <a:chOff x="0" y="0"/>
+          <a:chExt cx="0" cy="0"/>
+        </a:xfrm>
+      </p:grpSpPr>
+      <p:sp>
+        <p:nvSpPr>
+          <p:cNvPr id="2" name="Slide Image Placeholder 1"/>
+          <p:cNvSpPr>
+            <a:spLocks noGrp="1" noRot="1" noChangeAspect="1"/>
+          </p:cNvSpPr>
+          <p:nvPr>
+            <p:ph type="sldImg"/>
+          </p:nvPr>
+        </p:nvSpPr>
+        <p:spPr/>
+      </p:sp>
+      <p:sp>
+        <p:nvSpPr>
+          <p:cNvPr id="3" name="Notes Placeholder 2"/>
+          <p:cNvSpPr>
+            <a:spLocks noGrp="1"/>
+          </p:cNvSpPr>
+          <p:nvPr>
+            <p:ph type="body" idx="1"/>
+          </p:nvPr>
+        </p:nvSpPr>
+        <p:spPr/>
+        <p:txBody>
+          <a:bodyPr/>
+          <a:lstStyle/>
+          <a:p>
+            <a:pPr marL="0" marR="0" indent="0" algn="l" defTabSz="914400" rtl="0" eaLnBrk="1" fontAlgn="auto" latinLnBrk="0" hangingPunct="1">
+              <a:lnSpc>
+                <a:spcPct val="100000"/>
+              </a:lnSpc>
+              <a:spcBef>
+                <a:spcPts val="0"/>
+              </a:spcBef>
+              <a:spcAft>
+                <a:spcPts val="0"/>
+              </a:spcAft>
+              <a:buClrTx/>
+              <a:buSzTx/>
+              <a:buFontTx/>
+              <a:buNone/>
+              <a:tabLst/>
+              <a:defRPr/>
+            </a:pPr>
+            <a:r>
+              <a:rPr lang="en-US" sz="1200" kern="1200" dirty="0" smtClean="0">
+                <a:solidFill>
+                  <a:schemeClr val="tx1"/>
+                </a:solidFill>
+                <a:effectLst/>
+                <a:latin typeface="+mn-lt"/>
+                <a:ea typeface="+mn-ea"/>
+                <a:cs typeface="+mn-cs"/>
+              </a:rPr>
+              <a:t>Our sample data was consistent with the population </a:t>
+            </a:r>
+            <a:r>
+              <a:rPr lang="en-US" sz="1200" i="0" kern="1200" dirty="0" smtClean="0">
+                <a:solidFill>
+                  <a:schemeClr val="tx1"/>
+                </a:solidFill>
+                <a:effectLst/>
+                <a:latin typeface="+mn-lt"/>
+                <a:ea typeface="+mn-ea"/>
+                <a:cs typeface="+mn-cs"/>
+              </a:rPr>
+              <a:t>data.</a:t>
+            </a:r>
+            <a:r>
+              <a:rPr lang="en-US" sz="1200" i="0" kern="1200" baseline="0" dirty="0" smtClean="0">
+                <a:solidFill>
+                  <a:schemeClr val="tx1"/>
+                </a:solidFill>
+                <a:effectLst/>
+                <a:latin typeface="+mn-lt"/>
+                <a:ea typeface="+mn-ea"/>
+                <a:cs typeface="+mn-cs"/>
+              </a:rPr>
+              <a:t> Similar trend. </a:t>
+            </a:r>
+            <a:r>
+              <a:rPr lang="en-US" sz="1200" i="0" kern="1200" dirty="0" smtClean="0">
+                <a:solidFill>
+                  <a:schemeClr val="tx1"/>
+                </a:solidFill>
+                <a:effectLst/>
+                <a:latin typeface="+mn-lt"/>
+                <a:ea typeface="+mn-ea"/>
+                <a:cs typeface="+mn-cs"/>
+              </a:rPr>
+              <a:t>The grey band represents the minimum and maximum average delay for each time of day from our population.</a:t>
+            </a:r>
+          </a:p>
+          <a:p>
+            <a:endParaRPr lang="en-US" dirty="0"/>
+          </a:p>
+        </p:txBody>
+      </p:sp>
+      <p:sp>
+        <p:nvSpPr>
+          <p:cNvPr id="4" name="Slide Number Placeholder 3"/>
+          <p:cNvSpPr>
+            <a:spLocks noGrp="1"/>
+          </p:cNvSpPr>
+          <p:nvPr>
+            <p:ph type="sldNum" sz="quarter" idx="10"/>
+          </p:nvPr>
+        </p:nvSpPr>
+        <p:spPr/>
+        <p:txBody>
+          <a:bodyPr/>
+          <a:lstStyle/>
+          <a:p>
+            <a:fld id="{3BF9693C-674C-4668-97DA-E7EB7AA52C3E}" type="slidenum">
+              <a:rPr lang="en-US" smtClean="0"/>
+              <a:t>8</a:t>
             </a:fld>
             <a:endParaRPr lang="en-US"/>
           </a:p>
@@ -815,7 +1159,7 @@
           <a:p>
             <a:fld id="{DD13DB93-76A0-45FB-ABE0-140B19975246}" type="datetimeFigureOut">
               <a:rPr lang="en-US" smtClean="0"/>
-              <a:t>5/11/2014</a:t>
+              <a:t>5/12/2014</a:t>
             </a:fld>
             <a:endParaRPr lang="en-US"/>
           </a:p>
@@ -985,7 +1329,7 @@
           <a:p>
             <a:fld id="{DD13DB93-76A0-45FB-ABE0-140B19975246}" type="datetimeFigureOut">
               <a:rPr lang="en-US" smtClean="0"/>
-              <a:t>5/11/2014</a:t>
+              <a:t>5/12/2014</a:t>
             </a:fld>
             <a:endParaRPr lang="en-US"/>
           </a:p>
@@ -1165,7 +1509,7 @@
           <a:p>
             <a:fld id="{DD13DB93-76A0-45FB-ABE0-140B19975246}" type="datetimeFigureOut">
               <a:rPr lang="en-US" smtClean="0"/>
-              <a:t>5/11/2014</a:t>
+              <a:t>5/12/2014</a:t>
             </a:fld>
             <a:endParaRPr lang="en-US"/>
           </a:p>
@@ -1335,7 +1679,7 @@
           <a:p>
             <a:fld id="{DD13DB93-76A0-45FB-ABE0-140B19975246}" type="datetimeFigureOut">
               <a:rPr lang="en-US" smtClean="0"/>
-              <a:t>5/11/2014</a:t>
+              <a:t>5/12/2014</a:t>
             </a:fld>
             <a:endParaRPr lang="en-US"/>
           </a:p>
@@ -1581,7 +1925,7 @@
           <a:p>
             <a:fld id="{DD13DB93-76A0-45FB-ABE0-140B19975246}" type="datetimeFigureOut">
               <a:rPr lang="en-US" smtClean="0"/>
-              <a:t>5/11/2014</a:t>
+              <a:t>5/12/2014</a:t>
             </a:fld>
             <a:endParaRPr lang="en-US"/>
           </a:p>
@@ -1869,7 +2213,7 @@
           <a:p>
             <a:fld id="{DD13DB93-76A0-45FB-ABE0-140B19975246}" type="datetimeFigureOut">
               <a:rPr lang="en-US" smtClean="0"/>
-              <a:t>5/11/2014</a:t>
+              <a:t>5/12/2014</a:t>
             </a:fld>
             <a:endParaRPr lang="en-US"/>
           </a:p>
@@ -2291,7 +2635,7 @@
           <a:p>
             <a:fld id="{DD13DB93-76A0-45FB-ABE0-140B19975246}" type="datetimeFigureOut">
               <a:rPr lang="en-US" smtClean="0"/>
-              <a:t>5/11/2014</a:t>
+              <a:t>5/12/2014</a:t>
             </a:fld>
             <a:endParaRPr lang="en-US"/>
           </a:p>
@@ -2409,7 +2753,7 @@
           <a:p>
             <a:fld id="{DD13DB93-76A0-45FB-ABE0-140B19975246}" type="datetimeFigureOut">
               <a:rPr lang="en-US" smtClean="0"/>
-              <a:t>5/11/2014</a:t>
+              <a:t>5/12/2014</a:t>
             </a:fld>
             <a:endParaRPr lang="en-US"/>
           </a:p>
@@ -2504,7 +2848,7 @@
           <a:p>
             <a:fld id="{DD13DB93-76A0-45FB-ABE0-140B19975246}" type="datetimeFigureOut">
               <a:rPr lang="en-US" smtClean="0"/>
-              <a:t>5/11/2014</a:t>
+              <a:t>5/12/2014</a:t>
             </a:fld>
             <a:endParaRPr lang="en-US"/>
           </a:p>
@@ -2781,7 +3125,7 @@
           <a:p>
             <a:fld id="{DD13DB93-76A0-45FB-ABE0-140B19975246}" type="datetimeFigureOut">
               <a:rPr lang="en-US" smtClean="0"/>
-              <a:t>5/11/2014</a:t>
+              <a:t>5/12/2014</a:t>
             </a:fld>
             <a:endParaRPr lang="en-US"/>
           </a:p>
@@ -3034,7 +3378,7 @@
           <a:p>
             <a:fld id="{DD13DB93-76A0-45FB-ABE0-140B19975246}" type="datetimeFigureOut">
               <a:rPr lang="en-US" smtClean="0"/>
-              <a:t>5/11/2014</a:t>
+              <a:t>5/12/2014</a:t>
             </a:fld>
             <a:endParaRPr lang="en-US"/>
           </a:p>
@@ -3247,7 +3591,7 @@
           <a:p>
             <a:fld id="{DD13DB93-76A0-45FB-ABE0-140B19975246}" type="datetimeFigureOut">
               <a:rPr lang="en-US" smtClean="0"/>
-              <a:t>5/11/2014</a:t>
+              <a:t>5/12/2014</a:t>
             </a:fld>
             <a:endParaRPr lang="en-US"/>
           </a:p>
@@ -3860,6 +4204,94 @@
   <p:clrMapOvr>
     <a:masterClrMapping/>
   </p:clrMapOvr>
+  <p:timing>
+    <p:tnLst>
+      <p:par>
+        <p:cTn id="1" dur="indefinite" restart="never" nodeType="tmRoot"/>
+      </p:par>
+    </p:tnLst>
+  </p:timing>
+</p:sld>
+</file>
+
+<file path=ppt/slides/slide10.xml><?xml version="1.0" encoding="utf-8"?>
+<p:sld xmlns:a="http://schemas.openxmlformats.org/drawingml/2006/main" xmlns:r="http://schemas.openxmlformats.org/officeDocument/2006/relationships" xmlns:p="http://schemas.openxmlformats.org/presentationml/2006/main">
+  <p:cSld>
+    <p:spTree>
+      <p:nvGrpSpPr>
+        <p:cNvPr id="1" name=""/>
+        <p:cNvGrpSpPr/>
+        <p:nvPr/>
+      </p:nvGrpSpPr>
+      <p:grpSpPr>
+        <a:xfrm>
+          <a:off x="0" y="0"/>
+          <a:ext cx="0" cy="0"/>
+          <a:chOff x="0" y="0"/>
+          <a:chExt cx="0" cy="0"/>
+        </a:xfrm>
+      </p:grpSpPr>
+      <p:sp>
+        <p:nvSpPr>
+          <p:cNvPr id="6" name="Title 5"/>
+          <p:cNvSpPr>
+            <a:spLocks noGrp="1"/>
+          </p:cNvSpPr>
+          <p:nvPr>
+            <p:ph type="ctrTitle"/>
+          </p:nvPr>
+        </p:nvSpPr>
+        <p:spPr>
+          <a:xfrm>
+            <a:off x="152400" y="1828801"/>
+            <a:ext cx="8686800" cy="3048000"/>
+          </a:xfrm>
+        </p:spPr>
+        <p:txBody>
+          <a:bodyPr>
+            <a:normAutofit/>
+          </a:bodyPr>
+          <a:lstStyle/>
+          <a:p>
+            <a:r>
+              <a:rPr lang="en-US" dirty="0" smtClean="0"/>
+              <a:t>Thank You!</a:t>
+            </a:r>
+            <a:br>
+              <a:rPr lang="en-US" dirty="0" smtClean="0"/>
+            </a:br>
+            <a:r>
+              <a:rPr lang="en-US" dirty="0"/>
+              <a:t/>
+            </a:r>
+            <a:br>
+              <a:rPr lang="en-US" dirty="0"/>
+            </a:br>
+            <a:r>
+              <a:rPr lang="en-US" dirty="0" smtClean="0"/>
+              <a:t>Questions?</a:t>
+            </a:r>
+            <a:endParaRPr lang="en-US" dirty="0"/>
+          </a:p>
+        </p:txBody>
+      </p:sp>
+    </p:spTree>
+    <p:extLst>
+      <p:ext uri="{BB962C8B-B14F-4D97-AF65-F5344CB8AC3E}">
+        <p14:creationId xmlns:p14="http://schemas.microsoft.com/office/powerpoint/2010/main" val="354544531"/>
+      </p:ext>
+    </p:extLst>
+  </p:cSld>
+  <p:clrMapOvr>
+    <a:masterClrMapping/>
+  </p:clrMapOvr>
+  <p:timing>
+    <p:tnLst>
+      <p:par>
+        <p:cTn id="1" dur="indefinite" restart="never" nodeType="tmRoot"/>
+      </p:par>
+    </p:tnLst>
+  </p:timing>
 </p:sld>
 </file>
 
@@ -3926,10 +4358,54 @@
               <a:buNone/>
             </a:pPr>
             <a:r>
-              <a:rPr lang="en-US" sz="3500" i="1" dirty="0"/>
-              <a:t>What time of the day and day of the week is best for avoiding flight delays?</a:t>
-            </a:r>
-            <a:endParaRPr lang="en-US" sz="3500" dirty="0"/>
+              <a:rPr lang="en-US" sz="4000" i="1" dirty="0">
+                <a:solidFill>
+                  <a:schemeClr val="tx2"/>
+                </a:solidFill>
+              </a:rPr>
+              <a:t>What time of the day and day of the week is best for avoiding flight delays</a:t>
+            </a:r>
+            <a:r>
+              <a:rPr lang="en-US" sz="4000" i="1" dirty="0" smtClean="0">
+                <a:solidFill>
+                  <a:schemeClr val="tx2"/>
+                </a:solidFill>
+              </a:rPr>
+              <a:t>?</a:t>
+            </a:r>
+          </a:p>
+          <a:p>
+            <a:pPr marL="0" indent="0">
+              <a:buNone/>
+            </a:pPr>
+            <a:endParaRPr lang="en-US" sz="3500" i="1" dirty="0"/>
+          </a:p>
+          <a:p>
+            <a:pPr marL="0" indent="0">
+              <a:buNone/>
+            </a:pPr>
+            <a:r>
+              <a:rPr lang="en-US" sz="3500" i="1" dirty="0" smtClean="0"/>
+              <a:t>	</a:t>
+            </a:r>
+            <a:r>
+              <a:rPr lang="en-US" sz="2800" i="1" dirty="0" smtClean="0"/>
+              <a:t>-Bureau of Transportation Statistics (BTS)</a:t>
+            </a:r>
+          </a:p>
+          <a:p>
+            <a:pPr marL="0" indent="0">
+              <a:buNone/>
+            </a:pPr>
+            <a:r>
+              <a:rPr lang="en-US" sz="2800" i="1" dirty="0"/>
+              <a:t>	</a:t>
+            </a:r>
+            <a:r>
+              <a:rPr lang="en-US" sz="2800" i="1" dirty="0" smtClean="0"/>
+              <a:t>-on-time performance data</a:t>
+            </a:r>
+            <a:endParaRPr lang="en-US" sz="2800" dirty="0"/>
           </a:p>
         </p:txBody>
       </p:sp>
@@ -3943,6 +4419,13 @@
   <p:clrMapOvr>
     <a:masterClrMapping/>
   </p:clrMapOvr>
+  <p:timing>
+    <p:tnLst>
+      <p:par>
+        <p:cTn id="1" dur="indefinite" restart="never" nodeType="tmRoot"/>
+      </p:par>
+    </p:tnLst>
+  </p:timing>
 </p:sld>
 </file>
 
@@ -3980,11 +4463,7 @@
           <a:p>
             <a:r>
               <a:rPr lang="en-US" dirty="0" smtClean="0"/>
-              <a:t>Assump</a:t>
-            </a:r>
-            <a:r>
-              <a:rPr lang="en-US" dirty="0" smtClean="0"/>
-              <a:t>tions</a:t>
+              <a:t>Assumptions</a:t>
             </a:r>
             <a:endParaRPr lang="en-US" dirty="0"/>
           </a:p>
@@ -4077,6 +4556,13 @@
   <p:clrMapOvr>
     <a:masterClrMapping/>
   </p:clrMapOvr>
+  <p:timing>
+    <p:tnLst>
+      <p:par>
+        <p:cTn id="1" dur="indefinite" restart="never" nodeType="tmRoot"/>
+      </p:par>
+    </p:tnLst>
+  </p:timing>
 </p:sld>
 </file>
 
@@ -4149,6 +4635,180 @@
           </a:xfrm>
         </p:spPr>
       </p:pic>
+      <p:cxnSp>
+        <p:nvCxnSpPr>
+          <p:cNvPr id="6" name="Straight Arrow Connector 5"/>
+          <p:cNvCxnSpPr/>
+          <p:nvPr/>
+        </p:nvCxnSpPr>
+        <p:spPr>
+          <a:xfrm flipH="1">
+            <a:off x="2667000" y="5791200"/>
+            <a:ext cx="1219200" cy="0"/>
+          </a:xfrm>
+          <a:prstGeom prst="straightConnector1">
+            <a:avLst/>
+          </a:prstGeom>
+          <a:ln>
+            <a:solidFill>
+              <a:schemeClr val="tx1"/>
+            </a:solidFill>
+            <a:tailEnd type="arrow"/>
+          </a:ln>
+        </p:spPr>
+        <p:style>
+          <a:lnRef idx="1">
+            <a:schemeClr val="accent1"/>
+          </a:lnRef>
+          <a:fillRef idx="0">
+            <a:schemeClr val="accent1"/>
+          </a:fillRef>
+          <a:effectRef idx="0">
+            <a:schemeClr val="accent1"/>
+          </a:effectRef>
+          <a:fontRef idx="minor">
+            <a:schemeClr val="tx1"/>
+          </a:fontRef>
+        </p:style>
+      </p:cxnSp>
+      <p:sp>
+        <p:nvSpPr>
+          <p:cNvPr id="8" name="TextBox 7"/>
+          <p:cNvSpPr txBox="1"/>
+          <p:nvPr/>
+        </p:nvSpPr>
+        <p:spPr>
+          <a:xfrm>
+            <a:off x="3871748" y="5133724"/>
+            <a:ext cx="1981200" cy="707886"/>
+          </a:xfrm>
+          <a:prstGeom prst="rect">
+            <a:avLst/>
+          </a:prstGeom>
+          <a:noFill/>
+        </p:spPr>
+        <p:txBody>
+          <a:bodyPr wrap="square" rtlCol="0">
+            <a:spAutoFit/>
+          </a:bodyPr>
+          <a:lstStyle/>
+          <a:p>
+            <a:r>
+              <a:rPr lang="en-US" sz="2000" dirty="0" smtClean="0"/>
+              <a:t>Wednesday  </a:t>
+            </a:r>
+          </a:p>
+          <a:p>
+            <a:r>
+              <a:rPr lang="en-US" sz="2000" dirty="0" smtClean="0"/>
+              <a:t>6:00 am ~5.5 min</a:t>
+            </a:r>
+            <a:endParaRPr lang="en-US" sz="2000" dirty="0"/>
+          </a:p>
+        </p:txBody>
+      </p:sp>
+      <p:cxnSp>
+        <p:nvCxnSpPr>
+          <p:cNvPr id="9" name="Straight Arrow Connector 8"/>
+          <p:cNvCxnSpPr/>
+          <p:nvPr/>
+        </p:nvCxnSpPr>
+        <p:spPr>
+          <a:xfrm flipH="1">
+            <a:off x="1752600" y="1524000"/>
+            <a:ext cx="1219200" cy="0"/>
+          </a:xfrm>
+          <a:prstGeom prst="straightConnector1">
+            <a:avLst/>
+          </a:prstGeom>
+          <a:ln>
+            <a:solidFill>
+              <a:schemeClr val="tx1"/>
+            </a:solidFill>
+            <a:tailEnd type="arrow"/>
+          </a:ln>
+        </p:spPr>
+        <p:style>
+          <a:lnRef idx="1">
+            <a:schemeClr val="accent1"/>
+          </a:lnRef>
+          <a:fillRef idx="0">
+            <a:schemeClr val="accent1"/>
+          </a:fillRef>
+          <a:effectRef idx="0">
+            <a:schemeClr val="accent1"/>
+          </a:effectRef>
+          <a:fontRef idx="minor">
+            <a:schemeClr val="tx1"/>
+          </a:fontRef>
+        </p:style>
+      </p:cxnSp>
+      <p:sp>
+        <p:nvSpPr>
+          <p:cNvPr id="10" name="TextBox 9"/>
+          <p:cNvSpPr txBox="1"/>
+          <p:nvPr/>
+        </p:nvSpPr>
+        <p:spPr>
+          <a:xfrm>
+            <a:off x="2057400" y="1540932"/>
+            <a:ext cx="1524000" cy="1015663"/>
+          </a:xfrm>
+          <a:prstGeom prst="rect">
+            <a:avLst/>
+          </a:prstGeom>
+          <a:noFill/>
+        </p:spPr>
+        <p:txBody>
+          <a:bodyPr wrap="square" rtlCol="0">
+            <a:spAutoFit/>
+          </a:bodyPr>
+          <a:lstStyle/>
+          <a:p>
+            <a:r>
+              <a:rPr lang="en-US" sz="2000" dirty="0" smtClean="0"/>
+              <a:t>Saturday  3:00 am ~21.5 min</a:t>
+            </a:r>
+            <a:endParaRPr lang="en-US" sz="2000" dirty="0"/>
+          </a:p>
+        </p:txBody>
+      </p:sp>
+      <p:sp>
+        <p:nvSpPr>
+          <p:cNvPr id="11" name="TextBox 10"/>
+          <p:cNvSpPr txBox="1"/>
+          <p:nvPr/>
+        </p:nvSpPr>
+        <p:spPr>
+          <a:xfrm>
+            <a:off x="4343400" y="1336356"/>
+            <a:ext cx="3019096" cy="707886"/>
+          </a:xfrm>
+          <a:prstGeom prst="rect">
+            <a:avLst/>
+          </a:prstGeom>
+          <a:noFill/>
+        </p:spPr>
+        <p:txBody>
+          <a:bodyPr wrap="none" rtlCol="0">
+            <a:spAutoFit/>
+          </a:bodyPr>
+          <a:lstStyle/>
+          <a:p>
+            <a:r>
+              <a:rPr lang="en-US" sz="2000" dirty="0" smtClean="0"/>
+              <a:t>-Wednesday 5:00 pm ~23%</a:t>
+            </a:r>
+          </a:p>
+          <a:p>
+            <a:r>
+              <a:rPr lang="en-US" sz="2000" dirty="0" smtClean="0"/>
+              <a:t>- Thursday 8:00 pm ~ 51%</a:t>
+            </a:r>
+            <a:endParaRPr lang="en-US" sz="2000" dirty="0"/>
+          </a:p>
+        </p:txBody>
+      </p:sp>
     </p:spTree>
     <p:extLst>
       <p:ext uri="{BB962C8B-B14F-4D97-AF65-F5344CB8AC3E}">
@@ -4159,6 +4819,230 @@
   <p:clrMapOvr>
     <a:masterClrMapping/>
   </p:clrMapOvr>
+  <p:timing>
+    <p:tnLst>
+      <p:par>
+        <p:cTn id="1" dur="indefinite" restart="never" nodeType="tmRoot">
+          <p:childTnLst>
+            <p:seq concurrent="1" nextAc="seek">
+              <p:cTn id="2" dur="indefinite" nodeType="mainSeq">
+                <p:childTnLst>
+                  <p:par>
+                    <p:cTn id="3" fill="hold">
+                      <p:stCondLst>
+                        <p:cond delay="indefinite"/>
+                      </p:stCondLst>
+                      <p:childTnLst>
+                        <p:par>
+                          <p:cTn id="4" fill="hold">
+                            <p:stCondLst>
+                              <p:cond delay="0"/>
+                            </p:stCondLst>
+                            <p:childTnLst>
+                              <p:par>
+                                <p:cTn id="5" presetID="1" presetClass="entr" presetSubtype="0" fill="hold" grpId="0" nodeType="clickEffect">
+                                  <p:stCondLst>
+                                    <p:cond delay="0"/>
+                                  </p:stCondLst>
+                                  <p:childTnLst>
+                                    <p:set>
+                                      <p:cBhvr>
+                                        <p:cTn id="6" dur="1" fill="hold">
+                                          <p:stCondLst>
+                                            <p:cond delay="0"/>
+                                          </p:stCondLst>
+                                        </p:cTn>
+                                        <p:tgtEl>
+                                          <p:spTgt spid="10"/>
+                                        </p:tgtEl>
+                                        <p:attrNameLst>
+                                          <p:attrName>style.visibility</p:attrName>
+                                        </p:attrNameLst>
+                                      </p:cBhvr>
+                                      <p:to>
+                                        <p:strVal val="visible"/>
+                                      </p:to>
+                                    </p:set>
+                                  </p:childTnLst>
+                                </p:cTn>
+                              </p:par>
+                              <p:par>
+                                <p:cTn id="7" presetID="1" presetClass="entr" presetSubtype="0" fill="hold" nodeType="withEffect">
+                                  <p:stCondLst>
+                                    <p:cond delay="0"/>
+                                  </p:stCondLst>
+                                  <p:childTnLst>
+                                    <p:set>
+                                      <p:cBhvr>
+                                        <p:cTn id="8" dur="1" fill="hold">
+                                          <p:stCondLst>
+                                            <p:cond delay="0"/>
+                                          </p:stCondLst>
+                                        </p:cTn>
+                                        <p:tgtEl>
+                                          <p:spTgt spid="9"/>
+                                        </p:tgtEl>
+                                        <p:attrNameLst>
+                                          <p:attrName>style.visibility</p:attrName>
+                                        </p:attrNameLst>
+                                      </p:cBhvr>
+                                      <p:to>
+                                        <p:strVal val="visible"/>
+                                      </p:to>
+                                    </p:set>
+                                  </p:childTnLst>
+                                </p:cTn>
+                              </p:par>
+                            </p:childTnLst>
+                          </p:cTn>
+                        </p:par>
+                      </p:childTnLst>
+                    </p:cTn>
+                  </p:par>
+                  <p:par>
+                    <p:cTn id="9" fill="hold">
+                      <p:stCondLst>
+                        <p:cond delay="indefinite"/>
+                      </p:stCondLst>
+                      <p:childTnLst>
+                        <p:par>
+                          <p:cTn id="10" fill="hold">
+                            <p:stCondLst>
+                              <p:cond delay="0"/>
+                            </p:stCondLst>
+                            <p:childTnLst>
+                              <p:par>
+                                <p:cTn id="11" presetID="1" presetClass="entr" presetSubtype="0" fill="hold" nodeType="clickEffect">
+                                  <p:stCondLst>
+                                    <p:cond delay="0"/>
+                                  </p:stCondLst>
+                                  <p:childTnLst>
+                                    <p:set>
+                                      <p:cBhvr>
+                                        <p:cTn id="12" dur="1" fill="hold">
+                                          <p:stCondLst>
+                                            <p:cond delay="0"/>
+                                          </p:stCondLst>
+                                        </p:cTn>
+                                        <p:tgtEl>
+                                          <p:spTgt spid="6"/>
+                                        </p:tgtEl>
+                                        <p:attrNameLst>
+                                          <p:attrName>style.visibility</p:attrName>
+                                        </p:attrNameLst>
+                                      </p:cBhvr>
+                                      <p:to>
+                                        <p:strVal val="visible"/>
+                                      </p:to>
+                                    </p:set>
+                                  </p:childTnLst>
+                                </p:cTn>
+                              </p:par>
+                              <p:par>
+                                <p:cTn id="13" presetID="1" presetClass="entr" presetSubtype="0" fill="hold" grpId="0" nodeType="withEffect">
+                                  <p:stCondLst>
+                                    <p:cond delay="0"/>
+                                  </p:stCondLst>
+                                  <p:childTnLst>
+                                    <p:set>
+                                      <p:cBhvr>
+                                        <p:cTn id="14" dur="1" fill="hold">
+                                          <p:stCondLst>
+                                            <p:cond delay="0"/>
+                                          </p:stCondLst>
+                                        </p:cTn>
+                                        <p:tgtEl>
+                                          <p:spTgt spid="8"/>
+                                        </p:tgtEl>
+                                        <p:attrNameLst>
+                                          <p:attrName>style.visibility</p:attrName>
+                                        </p:attrNameLst>
+                                      </p:cBhvr>
+                                      <p:to>
+                                        <p:strVal val="visible"/>
+                                      </p:to>
+                                    </p:set>
+                                  </p:childTnLst>
+                                </p:cTn>
+                              </p:par>
+                            </p:childTnLst>
+                          </p:cTn>
+                        </p:par>
+                      </p:childTnLst>
+                    </p:cTn>
+                  </p:par>
+                  <p:par>
+                    <p:cTn id="15" fill="hold">
+                      <p:stCondLst>
+                        <p:cond delay="indefinite"/>
+                      </p:stCondLst>
+                      <p:childTnLst>
+                        <p:par>
+                          <p:cTn id="16" fill="hold">
+                            <p:stCondLst>
+                              <p:cond delay="0"/>
+                            </p:stCondLst>
+                            <p:childTnLst>
+                              <p:par>
+                                <p:cTn id="17" presetID="1" presetClass="entr" presetSubtype="0" fill="hold" grpId="0" nodeType="clickEffect">
+                                  <p:stCondLst>
+                                    <p:cond delay="0"/>
+                                  </p:stCondLst>
+                                  <p:childTnLst>
+                                    <p:set>
+                                      <p:cBhvr>
+                                        <p:cTn id="18" dur="1" fill="hold">
+                                          <p:stCondLst>
+                                            <p:cond delay="0"/>
+                                          </p:stCondLst>
+                                        </p:cTn>
+                                        <p:tgtEl>
+                                          <p:spTgt spid="11"/>
+                                        </p:tgtEl>
+                                        <p:attrNameLst>
+                                          <p:attrName>style.visibility</p:attrName>
+                                        </p:attrNameLst>
+                                      </p:cBhvr>
+                                      <p:to>
+                                        <p:strVal val="visible"/>
+                                      </p:to>
+                                    </p:set>
+                                  </p:childTnLst>
+                                </p:cTn>
+                              </p:par>
+                            </p:childTnLst>
+                          </p:cTn>
+                        </p:par>
+                      </p:childTnLst>
+                    </p:cTn>
+                  </p:par>
+                </p:childTnLst>
+              </p:cTn>
+              <p:prevCondLst>
+                <p:cond evt="onPrev" delay="0">
+                  <p:tgtEl>
+                    <p:sldTgt/>
+                  </p:tgtEl>
+                </p:cond>
+              </p:prevCondLst>
+              <p:nextCondLst>
+                <p:cond evt="onNext" delay="0">
+                  <p:tgtEl>
+                    <p:sldTgt/>
+                  </p:tgtEl>
+                </p:cond>
+              </p:nextCondLst>
+            </p:seq>
+          </p:childTnLst>
+        </p:cTn>
+      </p:par>
+    </p:tnLst>
+    <p:bldLst>
+      <p:bldP spid="8" grpId="0"/>
+      <p:bldP spid="10" grpId="0"/>
+      <p:bldP spid="11" grpId="0"/>
+    </p:bldLst>
+  </p:timing>
 </p:sld>
 </file>
 
@@ -4196,7 +5080,732 @@
           <a:p>
             <a:r>
               <a:rPr lang="en-US" dirty="0" smtClean="0"/>
+              <a:t>Sampling Method</a:t>
+            </a:r>
+            <a:endParaRPr lang="en-US" dirty="0"/>
+          </a:p>
+        </p:txBody>
+      </p:sp>
+      <p:sp>
+        <p:nvSpPr>
+          <p:cNvPr id="3" name="Content Placeholder 2"/>
+          <p:cNvSpPr>
+            <a:spLocks noGrp="1"/>
+          </p:cNvSpPr>
+          <p:nvPr>
+            <p:ph idx="1"/>
+          </p:nvPr>
+        </p:nvSpPr>
+        <p:spPr/>
+        <p:txBody>
+          <a:bodyPr/>
+          <a:lstStyle/>
+          <a:p>
+            <a:r>
+              <a:rPr lang="en-US" dirty="0" smtClean="0"/>
+              <a:t>Method 1: Simple Random Sample</a:t>
+            </a:r>
+          </a:p>
+          <a:p>
+            <a:pPr lvl="1"/>
+            <a:r>
+              <a:rPr lang="en-US" dirty="0" smtClean="0"/>
+              <a:t>Small subsamples for late evenings/early mornings</a:t>
+            </a:r>
+          </a:p>
+          <a:p>
+            <a:pPr lvl="1"/>
+            <a:r>
+              <a:rPr lang="en-US" dirty="0" smtClean="0"/>
+              <a:t>Omitted some hours entirely</a:t>
+            </a:r>
+          </a:p>
+          <a:p>
+            <a:r>
+              <a:rPr lang="en-US" dirty="0" smtClean="0"/>
+              <a:t>Method 2: Stratify by day of week and hour of day</a:t>
+            </a:r>
+          </a:p>
+          <a:p>
+            <a:pPr lvl="1"/>
+            <a:r>
+              <a:rPr lang="en-US" dirty="0" smtClean="0"/>
+              <a:t>24 </a:t>
+            </a:r>
+            <a:r>
+              <a:rPr lang="en-US" dirty="0" err="1" smtClean="0"/>
+              <a:t>hrs</a:t>
+            </a:r>
+            <a:r>
+              <a:rPr lang="en-US" dirty="0" smtClean="0"/>
+              <a:t> * 7 days = 168 stratum </a:t>
+            </a:r>
+          </a:p>
+          <a:p>
+            <a:pPr lvl="1"/>
+            <a:r>
+              <a:rPr lang="en-US" dirty="0" smtClean="0"/>
+              <a:t>About 2000 flights each</a:t>
+            </a:r>
+            <a:endParaRPr lang="en-US" dirty="0"/>
+          </a:p>
+        </p:txBody>
+      </p:sp>
+    </p:spTree>
+    <p:extLst>
+      <p:ext uri="{BB962C8B-B14F-4D97-AF65-F5344CB8AC3E}">
+        <p14:creationId xmlns:p14="http://schemas.microsoft.com/office/powerpoint/2010/main" val="144006147"/>
+      </p:ext>
+    </p:extLst>
+  </p:cSld>
+  <p:clrMapOvr>
+    <a:masterClrMapping/>
+  </p:clrMapOvr>
+  <p:timing>
+    <p:tnLst>
+      <p:par>
+        <p:cTn id="1" dur="indefinite" restart="never" nodeType="tmRoot"/>
+      </p:par>
+    </p:tnLst>
+  </p:timing>
+</p:sld>
+</file>
+
+<file path=ppt/slides/slide6.xml><?xml version="1.0" encoding="utf-8"?>
+<p:sld xmlns:a="http://schemas.openxmlformats.org/drawingml/2006/main" xmlns:r="http://schemas.openxmlformats.org/officeDocument/2006/relationships" xmlns:p="http://schemas.openxmlformats.org/presentationml/2006/main">
+  <p:cSld>
+    <p:spTree>
+      <p:nvGrpSpPr>
+        <p:cNvPr id="1" name=""/>
+        <p:cNvGrpSpPr/>
+        <p:nvPr/>
+      </p:nvGrpSpPr>
+      <p:grpSpPr>
+        <a:xfrm>
+          <a:off x="0" y="0"/>
+          <a:ext cx="0" cy="0"/>
+          <a:chOff x="0" y="0"/>
+          <a:chExt cx="0" cy="0"/>
+        </a:xfrm>
+      </p:grpSpPr>
+      <p:sp>
+        <p:nvSpPr>
+          <p:cNvPr id="2" name="Title 1"/>
+          <p:cNvSpPr>
+            <a:spLocks noGrp="1"/>
+          </p:cNvSpPr>
+          <p:nvPr>
+            <p:ph type="title"/>
+          </p:nvPr>
+        </p:nvSpPr>
+        <p:spPr>
+          <a:xfrm>
+            <a:off x="533400" y="8467"/>
+            <a:ext cx="8229600" cy="1143000"/>
+          </a:xfrm>
+        </p:spPr>
+        <p:txBody>
+          <a:bodyPr/>
+          <a:lstStyle/>
+          <a:p>
+            <a:r>
+              <a:rPr lang="en-US" dirty="0" smtClean="0"/>
               <a:t>Sample-based Findings</a:t>
+            </a:r>
+            <a:endParaRPr lang="en-US" dirty="0"/>
+          </a:p>
+        </p:txBody>
+      </p:sp>
+      <p:pic>
+        <p:nvPicPr>
+          <p:cNvPr id="4" name="Content Placeholder 3"/>
+          <p:cNvPicPr>
+            <a:picLocks noGrp="1" noChangeAspect="1"/>
+          </p:cNvPicPr>
+          <p:nvPr>
+            <p:ph idx="1"/>
+          </p:nvPr>
+        </p:nvPicPr>
+        <p:blipFill>
+          <a:blip r:embed="rId3">
+            <a:extLst>
+              <a:ext uri="{28A0092B-C50C-407E-A947-70E740481C1C}">
+                <a14:useLocalDpi xmlns:a14="http://schemas.microsoft.com/office/drawing/2010/main" val="0"/>
+              </a:ext>
+            </a:extLst>
+          </a:blip>
+          <a:stretch>
+            <a:fillRect/>
+          </a:stretch>
+        </p:blipFill>
+        <p:spPr>
+          <a:xfrm>
+            <a:off x="457200" y="842106"/>
+            <a:ext cx="8382000" cy="5836355"/>
+          </a:xfrm>
+        </p:spPr>
+      </p:pic>
+      <p:sp>
+        <p:nvSpPr>
+          <p:cNvPr id="6" name="TextBox 5"/>
+          <p:cNvSpPr txBox="1"/>
+          <p:nvPr/>
+        </p:nvSpPr>
+        <p:spPr>
+          <a:xfrm>
+            <a:off x="3581400" y="5136648"/>
+            <a:ext cx="1981200" cy="707886"/>
+          </a:xfrm>
+          <a:prstGeom prst="rect">
+            <a:avLst/>
+          </a:prstGeom>
+          <a:noFill/>
+        </p:spPr>
+        <p:txBody>
+          <a:bodyPr wrap="square" rtlCol="0">
+            <a:spAutoFit/>
+          </a:bodyPr>
+          <a:lstStyle/>
+          <a:p>
+            <a:r>
+              <a:rPr lang="en-US" sz="2000" dirty="0" smtClean="0"/>
+              <a:t>Sunday  </a:t>
+            </a:r>
+          </a:p>
+          <a:p>
+            <a:r>
+              <a:rPr lang="en-US" sz="2000" dirty="0"/>
+              <a:t>7</a:t>
+            </a:r>
+            <a:r>
+              <a:rPr lang="en-US" sz="2000" dirty="0" smtClean="0"/>
+              <a:t>:00 am ~4.9 min</a:t>
+            </a:r>
+            <a:endParaRPr lang="en-US" sz="2000" dirty="0"/>
+          </a:p>
+        </p:txBody>
+      </p:sp>
+      <p:sp>
+        <p:nvSpPr>
+          <p:cNvPr id="7" name="TextBox 6"/>
+          <p:cNvSpPr txBox="1"/>
+          <p:nvPr/>
+        </p:nvSpPr>
+        <p:spPr>
+          <a:xfrm>
+            <a:off x="5791200" y="5136648"/>
+            <a:ext cx="3007875" cy="707886"/>
+          </a:xfrm>
+          <a:prstGeom prst="rect">
+            <a:avLst/>
+          </a:prstGeom>
+          <a:noFill/>
+        </p:spPr>
+        <p:txBody>
+          <a:bodyPr wrap="none" rtlCol="0">
+            <a:spAutoFit/>
+          </a:bodyPr>
+          <a:lstStyle/>
+          <a:p>
+            <a:r>
+              <a:rPr lang="en-US" sz="2000" dirty="0" smtClean="0"/>
+              <a:t>-Wednesday 5:00 am ~22%</a:t>
+            </a:r>
+          </a:p>
+          <a:p>
+            <a:r>
+              <a:rPr lang="en-US" sz="2000" dirty="0" smtClean="0"/>
+              <a:t>- Thursday 8:00 pm ~ 53%</a:t>
+            </a:r>
+            <a:endParaRPr lang="en-US" sz="2000" dirty="0"/>
+          </a:p>
+        </p:txBody>
+      </p:sp>
+      <p:cxnSp>
+        <p:nvCxnSpPr>
+          <p:cNvPr id="8" name="Straight Arrow Connector 7"/>
+          <p:cNvCxnSpPr/>
+          <p:nvPr/>
+        </p:nvCxnSpPr>
+        <p:spPr>
+          <a:xfrm flipH="1">
+            <a:off x="2032000" y="1165535"/>
+            <a:ext cx="1219200" cy="0"/>
+          </a:xfrm>
+          <a:prstGeom prst="straightConnector1">
+            <a:avLst/>
+          </a:prstGeom>
+          <a:ln>
+            <a:solidFill>
+              <a:schemeClr val="tx1"/>
+            </a:solidFill>
+            <a:tailEnd type="arrow"/>
+          </a:ln>
+        </p:spPr>
+        <p:style>
+          <a:lnRef idx="1">
+            <a:schemeClr val="accent1"/>
+          </a:lnRef>
+          <a:fillRef idx="0">
+            <a:schemeClr val="accent1"/>
+          </a:fillRef>
+          <a:effectRef idx="0">
+            <a:schemeClr val="accent1"/>
+          </a:effectRef>
+          <a:fontRef idx="minor">
+            <a:schemeClr val="tx1"/>
+          </a:fontRef>
+        </p:style>
+      </p:cxnSp>
+      <p:sp>
+        <p:nvSpPr>
+          <p:cNvPr id="9" name="TextBox 8"/>
+          <p:cNvSpPr txBox="1"/>
+          <p:nvPr/>
+        </p:nvSpPr>
+        <p:spPr>
+          <a:xfrm>
+            <a:off x="2336800" y="1182467"/>
+            <a:ext cx="1524000" cy="1015663"/>
+          </a:xfrm>
+          <a:prstGeom prst="rect">
+            <a:avLst/>
+          </a:prstGeom>
+          <a:noFill/>
+        </p:spPr>
+        <p:txBody>
+          <a:bodyPr wrap="square" rtlCol="0">
+            <a:spAutoFit/>
+          </a:bodyPr>
+          <a:lstStyle/>
+          <a:p>
+            <a:r>
+              <a:rPr lang="en-US" sz="2000" dirty="0" smtClean="0"/>
+              <a:t>Saturday  3:00 am ~21.5 min</a:t>
+            </a:r>
+            <a:endParaRPr lang="en-US" sz="2000" dirty="0"/>
+          </a:p>
+        </p:txBody>
+      </p:sp>
+      <p:cxnSp>
+        <p:nvCxnSpPr>
+          <p:cNvPr id="10" name="Straight Arrow Connector 9"/>
+          <p:cNvCxnSpPr/>
+          <p:nvPr/>
+        </p:nvCxnSpPr>
+        <p:spPr>
+          <a:xfrm flipH="1">
+            <a:off x="3098800" y="5844534"/>
+            <a:ext cx="1219200" cy="0"/>
+          </a:xfrm>
+          <a:prstGeom prst="straightConnector1">
+            <a:avLst/>
+          </a:prstGeom>
+          <a:ln>
+            <a:solidFill>
+              <a:schemeClr val="tx1"/>
+            </a:solidFill>
+            <a:tailEnd type="arrow"/>
+          </a:ln>
+        </p:spPr>
+        <p:style>
+          <a:lnRef idx="1">
+            <a:schemeClr val="accent1"/>
+          </a:lnRef>
+          <a:fillRef idx="0">
+            <a:schemeClr val="accent1"/>
+          </a:fillRef>
+          <a:effectRef idx="0">
+            <a:schemeClr val="accent1"/>
+          </a:effectRef>
+          <a:fontRef idx="minor">
+            <a:schemeClr val="tx1"/>
+          </a:fontRef>
+        </p:style>
+      </p:cxnSp>
+    </p:spTree>
+    <p:extLst>
+      <p:ext uri="{BB962C8B-B14F-4D97-AF65-F5344CB8AC3E}">
+        <p14:creationId xmlns:p14="http://schemas.microsoft.com/office/powerpoint/2010/main" val="4197672935"/>
+      </p:ext>
+    </p:extLst>
+  </p:cSld>
+  <p:clrMapOvr>
+    <a:masterClrMapping/>
+  </p:clrMapOvr>
+  <p:timing>
+    <p:tnLst>
+      <p:par>
+        <p:cTn id="1" dur="indefinite" restart="never" nodeType="tmRoot">
+          <p:childTnLst>
+            <p:seq concurrent="1" nextAc="seek">
+              <p:cTn id="2" dur="indefinite" nodeType="mainSeq">
+                <p:childTnLst>
+                  <p:par>
+                    <p:cTn id="3" fill="hold">
+                      <p:stCondLst>
+                        <p:cond delay="indefinite"/>
+                        <p:cond evt="onBegin" delay="0">
+                          <p:tn val="2"/>
+                        </p:cond>
+                      </p:stCondLst>
+                      <p:childTnLst>
+                        <p:par>
+                          <p:cTn id="4" fill="hold">
+                            <p:stCondLst>
+                              <p:cond delay="0"/>
+                            </p:stCondLst>
+                            <p:childTnLst>
+                              <p:par>
+                                <p:cTn id="5" presetID="1" presetClass="entr" presetSubtype="0" fill="hold" grpId="0" nodeType="withEffect">
+                                  <p:stCondLst>
+                                    <p:cond delay="0"/>
+                                  </p:stCondLst>
+                                  <p:childTnLst>
+                                    <p:set>
+                                      <p:cBhvr>
+                                        <p:cTn id="6" dur="1" fill="hold">
+                                          <p:stCondLst>
+                                            <p:cond delay="0"/>
+                                          </p:stCondLst>
+                                        </p:cTn>
+                                        <p:tgtEl>
+                                          <p:spTgt spid="6"/>
+                                        </p:tgtEl>
+                                        <p:attrNameLst>
+                                          <p:attrName>style.visibility</p:attrName>
+                                        </p:attrNameLst>
+                                      </p:cBhvr>
+                                      <p:to>
+                                        <p:strVal val="visible"/>
+                                      </p:to>
+                                    </p:set>
+                                  </p:childTnLst>
+                                </p:cTn>
+                              </p:par>
+                            </p:childTnLst>
+                          </p:cTn>
+                        </p:par>
+                      </p:childTnLst>
+                    </p:cTn>
+                  </p:par>
+                  <p:par>
+                    <p:cTn id="7" fill="hold">
+                      <p:stCondLst>
+                        <p:cond delay="indefinite"/>
+                      </p:stCondLst>
+                      <p:childTnLst>
+                        <p:par>
+                          <p:cTn id="8" fill="hold">
+                            <p:stCondLst>
+                              <p:cond delay="0"/>
+                            </p:stCondLst>
+                            <p:childTnLst>
+                              <p:par>
+                                <p:cTn id="9" presetID="1" presetClass="entr" presetSubtype="0" fill="hold" grpId="0" nodeType="clickEffect">
+                                  <p:stCondLst>
+                                    <p:cond delay="0"/>
+                                  </p:stCondLst>
+                                  <p:childTnLst>
+                                    <p:set>
+                                      <p:cBhvr>
+                                        <p:cTn id="10" dur="1" fill="hold">
+                                          <p:stCondLst>
+                                            <p:cond delay="0"/>
+                                          </p:stCondLst>
+                                        </p:cTn>
+                                        <p:tgtEl>
+                                          <p:spTgt spid="7"/>
+                                        </p:tgtEl>
+                                        <p:attrNameLst>
+                                          <p:attrName>style.visibility</p:attrName>
+                                        </p:attrNameLst>
+                                      </p:cBhvr>
+                                      <p:to>
+                                        <p:strVal val="visible"/>
+                                      </p:to>
+                                    </p:set>
+                                  </p:childTnLst>
+                                </p:cTn>
+                              </p:par>
+                            </p:childTnLst>
+                          </p:cTn>
+                        </p:par>
+                      </p:childTnLst>
+                    </p:cTn>
+                  </p:par>
+                  <p:par>
+                    <p:cTn id="11" fill="hold">
+                      <p:stCondLst>
+                        <p:cond delay="indefinite"/>
+                      </p:stCondLst>
+                      <p:childTnLst>
+                        <p:par>
+                          <p:cTn id="12" fill="hold">
+                            <p:stCondLst>
+                              <p:cond delay="0"/>
+                            </p:stCondLst>
+                            <p:childTnLst>
+                              <p:par>
+                                <p:cTn id="13" presetID="1" presetClass="entr" presetSubtype="0" fill="hold" grpId="0" nodeType="clickEffect">
+                                  <p:stCondLst>
+                                    <p:cond delay="0"/>
+                                  </p:stCondLst>
+                                  <p:childTnLst>
+                                    <p:set>
+                                      <p:cBhvr>
+                                        <p:cTn id="14" dur="1" fill="hold">
+                                          <p:stCondLst>
+                                            <p:cond delay="0"/>
+                                          </p:stCondLst>
+                                        </p:cTn>
+                                        <p:tgtEl>
+                                          <p:spTgt spid="9"/>
+                                        </p:tgtEl>
+                                        <p:attrNameLst>
+                                          <p:attrName>style.visibility</p:attrName>
+                                        </p:attrNameLst>
+                                      </p:cBhvr>
+                                      <p:to>
+                                        <p:strVal val="visible"/>
+                                      </p:to>
+                                    </p:set>
+                                  </p:childTnLst>
+                                </p:cTn>
+                              </p:par>
+                              <p:par>
+                                <p:cTn id="15" presetID="1" presetClass="entr" presetSubtype="0" fill="hold" nodeType="withEffect">
+                                  <p:stCondLst>
+                                    <p:cond delay="0"/>
+                                  </p:stCondLst>
+                                  <p:childTnLst>
+                                    <p:set>
+                                      <p:cBhvr>
+                                        <p:cTn id="16" dur="1" fill="hold">
+                                          <p:stCondLst>
+                                            <p:cond delay="0"/>
+                                          </p:stCondLst>
+                                        </p:cTn>
+                                        <p:tgtEl>
+                                          <p:spTgt spid="8"/>
+                                        </p:tgtEl>
+                                        <p:attrNameLst>
+                                          <p:attrName>style.visibility</p:attrName>
+                                        </p:attrNameLst>
+                                      </p:cBhvr>
+                                      <p:to>
+                                        <p:strVal val="visible"/>
+                                      </p:to>
+                                    </p:set>
+                                  </p:childTnLst>
+                                </p:cTn>
+                              </p:par>
+                            </p:childTnLst>
+                          </p:cTn>
+                        </p:par>
+                      </p:childTnLst>
+                    </p:cTn>
+                  </p:par>
+                  <p:par>
+                    <p:cTn id="17" fill="hold">
+                      <p:stCondLst>
+                        <p:cond delay="indefinite"/>
+                      </p:stCondLst>
+                      <p:childTnLst>
+                        <p:par>
+                          <p:cTn id="18" fill="hold">
+                            <p:stCondLst>
+                              <p:cond delay="0"/>
+                            </p:stCondLst>
+                            <p:childTnLst>
+                              <p:par>
+                                <p:cTn id="19" presetID="1" presetClass="entr" presetSubtype="0" fill="hold" nodeType="clickEffect">
+                                  <p:stCondLst>
+                                    <p:cond delay="0"/>
+                                  </p:stCondLst>
+                                  <p:childTnLst>
+                                    <p:set>
+                                      <p:cBhvr>
+                                        <p:cTn id="20" dur="1" fill="hold">
+                                          <p:stCondLst>
+                                            <p:cond delay="0"/>
+                                          </p:stCondLst>
+                                        </p:cTn>
+                                        <p:tgtEl>
+                                          <p:spTgt spid="10"/>
+                                        </p:tgtEl>
+                                        <p:attrNameLst>
+                                          <p:attrName>style.visibility</p:attrName>
+                                        </p:attrNameLst>
+                                      </p:cBhvr>
+                                      <p:to>
+                                        <p:strVal val="visible"/>
+                                      </p:to>
+                                    </p:set>
+                                  </p:childTnLst>
+                                </p:cTn>
+                              </p:par>
+                            </p:childTnLst>
+                          </p:cTn>
+                        </p:par>
+                      </p:childTnLst>
+                    </p:cTn>
+                  </p:par>
+                </p:childTnLst>
+              </p:cTn>
+              <p:prevCondLst>
+                <p:cond evt="onPrev" delay="0">
+                  <p:tgtEl>
+                    <p:sldTgt/>
+                  </p:tgtEl>
+                </p:cond>
+              </p:prevCondLst>
+              <p:nextCondLst>
+                <p:cond evt="onNext" delay="0">
+                  <p:tgtEl>
+                    <p:sldTgt/>
+                  </p:tgtEl>
+                </p:cond>
+              </p:nextCondLst>
+            </p:seq>
+          </p:childTnLst>
+        </p:cTn>
+      </p:par>
+    </p:tnLst>
+    <p:bldLst>
+      <p:bldP spid="6" grpId="0"/>
+      <p:bldP spid="7" grpId="0"/>
+      <p:bldP spid="9" grpId="0"/>
+    </p:bldLst>
+  </p:timing>
+</p:sld>
+</file>
+
+<file path=ppt/slides/slide7.xml><?xml version="1.0" encoding="utf-8"?>
+<p:sld xmlns:a="http://schemas.openxmlformats.org/drawingml/2006/main" xmlns:r="http://schemas.openxmlformats.org/officeDocument/2006/relationships" xmlns:p="http://schemas.openxmlformats.org/presentationml/2006/main">
+  <p:cSld>
+    <p:spTree>
+      <p:nvGrpSpPr>
+        <p:cNvPr id="1" name=""/>
+        <p:cNvGrpSpPr/>
+        <p:nvPr/>
+      </p:nvGrpSpPr>
+      <p:grpSpPr>
+        <a:xfrm>
+          <a:off x="0" y="0"/>
+          <a:ext cx="0" cy="0"/>
+          <a:chOff x="0" y="0"/>
+          <a:chExt cx="0" cy="0"/>
+        </a:xfrm>
+      </p:grpSpPr>
+      <p:sp>
+        <p:nvSpPr>
+          <p:cNvPr id="2" name="Title 1"/>
+          <p:cNvSpPr>
+            <a:spLocks noGrp="1"/>
+          </p:cNvSpPr>
+          <p:nvPr>
+            <p:ph type="title"/>
+          </p:nvPr>
+        </p:nvSpPr>
+        <p:spPr/>
+        <p:txBody>
+          <a:bodyPr/>
+          <a:lstStyle/>
+          <a:p>
+            <a:r>
+              <a:rPr lang="en-US" dirty="0" err="1" smtClean="0">
+                <a:solidFill>
+                  <a:srgbClr val="FF0000"/>
+                </a:solidFill>
+              </a:rPr>
+              <a:t>Fivethirtyeight</a:t>
+            </a:r>
+            <a:r>
+              <a:rPr lang="en-US" dirty="0">
+                <a:solidFill>
+                  <a:srgbClr val="FF0000"/>
+                </a:solidFill>
+              </a:rPr>
+              <a:t>?</a:t>
+            </a:r>
+          </a:p>
+        </p:txBody>
+      </p:sp>
+      <p:sp>
+        <p:nvSpPr>
+          <p:cNvPr id="3" name="Content Placeholder 2"/>
+          <p:cNvSpPr>
+            <a:spLocks noGrp="1"/>
+          </p:cNvSpPr>
+          <p:nvPr>
+            <p:ph idx="1"/>
+          </p:nvPr>
+        </p:nvSpPr>
+        <p:spPr/>
+        <p:txBody>
+          <a:bodyPr/>
+          <a:lstStyle/>
+          <a:p>
+            <a:endParaRPr lang="en-US" dirty="0"/>
+          </a:p>
+        </p:txBody>
+      </p:sp>
+    </p:spTree>
+    <p:extLst>
+      <p:ext uri="{BB962C8B-B14F-4D97-AF65-F5344CB8AC3E}">
+        <p14:creationId xmlns:p14="http://schemas.microsoft.com/office/powerpoint/2010/main" val="3481035074"/>
+      </p:ext>
+    </p:extLst>
+  </p:cSld>
+  <p:clrMapOvr>
+    <a:masterClrMapping/>
+  </p:clrMapOvr>
+  <p:timing>
+    <p:tnLst>
+      <p:par>
+        <p:cTn id="1" dur="indefinite" restart="never" nodeType="tmRoot"/>
+      </p:par>
+    </p:tnLst>
+  </p:timing>
+</p:sld>
+</file>
+
+<file path=ppt/slides/slide8.xml><?xml version="1.0" encoding="utf-8"?>
+<p:sld xmlns:a="http://schemas.openxmlformats.org/drawingml/2006/main" xmlns:r="http://schemas.openxmlformats.org/officeDocument/2006/relationships" xmlns:p="http://schemas.openxmlformats.org/presentationml/2006/main">
+  <p:cSld>
+    <p:spTree>
+      <p:nvGrpSpPr>
+        <p:cNvPr id="1" name=""/>
+        <p:cNvGrpSpPr/>
+        <p:nvPr/>
+      </p:nvGrpSpPr>
+      <p:grpSpPr>
+        <a:xfrm>
+          <a:off x="0" y="0"/>
+          <a:ext cx="0" cy="0"/>
+          <a:chOff x="0" y="0"/>
+          <a:chExt cx="0" cy="0"/>
+        </a:xfrm>
+      </p:grpSpPr>
+      <p:sp>
+        <p:nvSpPr>
+          <p:cNvPr id="2" name="Title 1"/>
+          <p:cNvSpPr>
+            <a:spLocks noGrp="1"/>
+          </p:cNvSpPr>
+          <p:nvPr>
+            <p:ph type="title"/>
+          </p:nvPr>
+        </p:nvSpPr>
+        <p:spPr/>
+        <p:txBody>
+          <a:bodyPr/>
+          <a:lstStyle/>
+          <a:p>
+            <a:r>
+              <a:rPr lang="en-US" dirty="0" smtClean="0"/>
+              <a:t>Comparison</a:t>
             </a:r>
             <a:endParaRPr lang="en-US" dirty="0"/>
           </a:p>
@@ -4234,17 +5843,24 @@
     </p:spTree>
     <p:extLst>
       <p:ext uri="{BB962C8B-B14F-4D97-AF65-F5344CB8AC3E}">
-        <p14:creationId xmlns:p14="http://schemas.microsoft.com/office/powerpoint/2010/main" val="4197672935"/>
+        <p14:creationId xmlns:p14="http://schemas.microsoft.com/office/powerpoint/2010/main" val="3545475235"/>
       </p:ext>
     </p:extLst>
   </p:cSld>
   <p:clrMapOvr>
     <a:masterClrMapping/>
   </p:clrMapOvr>
+  <p:timing>
+    <p:tnLst>
+      <p:par>
+        <p:cTn id="1" dur="indefinite" restart="never" nodeType="tmRoot"/>
+      </p:par>
+    </p:tnLst>
+  </p:timing>
 </p:sld>
 </file>
 
-<file path=ppt/slides/slide6.xml><?xml version="1.0" encoding="utf-8"?>
+<file path=ppt/slides/slide9.xml><?xml version="1.0" encoding="utf-8"?>
 <p:sld xmlns:a="http://schemas.openxmlformats.org/drawingml/2006/main" xmlns:r="http://schemas.openxmlformats.org/officeDocument/2006/relationships" xmlns:p="http://schemas.openxmlformats.org/presentationml/2006/main">
   <p:cSld>
     <p:spTree>
@@ -4277,86 +5893,6 @@
           <a:lstStyle/>
           <a:p>
             <a:r>
-              <a:rPr lang="en-US" dirty="0" smtClean="0">
-                <a:solidFill>
-                  <a:srgbClr val="FF0000"/>
-                </a:solidFill>
-              </a:rPr>
-              <a:t>Discussion? </a:t>
-            </a:r>
-            <a:endParaRPr lang="en-US" dirty="0">
-              <a:solidFill>
-                <a:srgbClr val="FF0000"/>
-              </a:solidFill>
-            </a:endParaRPr>
-          </a:p>
-        </p:txBody>
-      </p:sp>
-      <p:sp>
-        <p:nvSpPr>
-          <p:cNvPr id="3" name="Content Placeholder 2"/>
-          <p:cNvSpPr>
-            <a:spLocks noGrp="1"/>
-          </p:cNvSpPr>
-          <p:nvPr>
-            <p:ph idx="1"/>
-          </p:nvPr>
-        </p:nvSpPr>
-        <p:spPr/>
-        <p:txBody>
-          <a:bodyPr/>
-          <a:lstStyle/>
-          <a:p>
-            <a:endParaRPr lang="en-US"/>
-          </a:p>
-        </p:txBody>
-      </p:sp>
-    </p:spTree>
-    <p:extLst>
-      <p:ext uri="{BB962C8B-B14F-4D97-AF65-F5344CB8AC3E}">
-        <p14:creationId xmlns:p14="http://schemas.microsoft.com/office/powerpoint/2010/main" val="577623900"/>
-      </p:ext>
-    </p:extLst>
-  </p:cSld>
-  <p:clrMapOvr>
-    <a:masterClrMapping/>
-  </p:clrMapOvr>
-</p:sld>
-</file>
-
-<file path=ppt/slides/slide7.xml><?xml version="1.0" encoding="utf-8"?>
-<p:sld xmlns:a="http://schemas.openxmlformats.org/drawingml/2006/main" xmlns:r="http://schemas.openxmlformats.org/officeDocument/2006/relationships" xmlns:p="http://schemas.openxmlformats.org/presentationml/2006/main">
-  <p:cSld>
-    <p:spTree>
-      <p:nvGrpSpPr>
-        <p:cNvPr id="1" name=""/>
-        <p:cNvGrpSpPr/>
-        <p:nvPr/>
-      </p:nvGrpSpPr>
-      <p:grpSpPr>
-        <a:xfrm>
-          <a:off x="0" y="0"/>
-          <a:ext cx="0" cy="0"/>
-          <a:chOff x="0" y="0"/>
-          <a:chExt cx="0" cy="0"/>
-        </a:xfrm>
-      </p:grpSpPr>
-      <p:sp>
-        <p:nvSpPr>
-          <p:cNvPr id="2" name="Title 1"/>
-          <p:cNvSpPr>
-            <a:spLocks noGrp="1"/>
-          </p:cNvSpPr>
-          <p:nvPr>
-            <p:ph type="title"/>
-          </p:nvPr>
-        </p:nvSpPr>
-        <p:spPr/>
-        <p:txBody>
-          <a:bodyPr/>
-          <a:lstStyle/>
-          <a:p>
-            <a:r>
               <a:rPr lang="en-US" dirty="0" smtClean="0"/>
               <a:t>Obstacles and Solutions </a:t>
             </a:r>
@@ -4439,6 +5975,13 @@
   <p:clrMapOvr>
     <a:masterClrMapping/>
   </p:clrMapOvr>
+  <p:timing>
+    <p:tnLst>
+      <p:par>
+        <p:cTn id="1" dur="indefinite" restart="never" nodeType="tmRoot"/>
+      </p:par>
+    </p:tnLst>
+  </p:timing>
 </p:sld>
 </file>
 

--- a/project_2_presentation.pptx
+++ b/project_2_presentation.pptx
@@ -5,7 +5,7 @@
     <p:sldMasterId id="2147483648" r:id="rId1"/>
   </p:sldMasterIdLst>
   <p:notesMasterIdLst>
-    <p:notesMasterId r:id="rId12"/>
+    <p:notesMasterId r:id="rId15"/>
   </p:notesMasterIdLst>
   <p:sldIdLst>
     <p:sldId id="256" r:id="rId2"/>
@@ -18,6 +18,9 @@
     <p:sldId id="263" r:id="rId9"/>
     <p:sldId id="261" r:id="rId10"/>
     <p:sldId id="266" r:id="rId11"/>
+    <p:sldId id="267" r:id="rId12"/>
+    <p:sldId id="270" r:id="rId13"/>
+    <p:sldId id="269" r:id="rId14"/>
   </p:sldIdLst>
   <p:sldSz cx="9144000" cy="6858000" type="screen4x3"/>
   <p:notesSz cx="6858000" cy="9144000"/>
@@ -116,6 +119,22 @@
       </a:defRPr>
     </a:lvl9pPr>
   </p:defaultTextStyle>
+  <p:extLst>
+    <p:ext uri="{EFAFB233-063F-42B5-8137-9DF3F51BA10A}">
+      <p15:sldGuideLst xmlns:p15="http://schemas.microsoft.com/office/powerpoint/2012/main">
+        <p15:guide id="1" orient="horz" pos="2160">
+          <p15:clr>
+            <a:srgbClr val="A4A3A4"/>
+          </p15:clr>
+        </p15:guide>
+        <p15:guide id="2" pos="2880">
+          <p15:clr>
+            <a:srgbClr val="A4A3A4"/>
+          </p15:clr>
+        </p15:guide>
+      </p15:sldGuideLst>
+    </p:ext>
+  </p:extLst>
 </p:presentation>
 </file>
 
@@ -617,6 +636,30 @@
               </a:rPr>
               <a:t>We considered several sampling designs and decided to stratify by day of week and hour of day.  Our initial simple random sample gave small subsamples for late evening/early morning flights, and omitted some hours entirely on some days.  By stratifying, we ensured we could estimate a value for all 168 (24 hours * 7 days) times.  We sampled roughly 2000 flights in each stratum, or the whole population if that was smaller. </a:t>
             </a:r>
+            <a:r>
+              <a:rPr lang="en-US" sz="1200" kern="1200" dirty="0" smtClean="0">
+                <a:solidFill>
+                  <a:schemeClr val="tx1"/>
+                </a:solidFill>
+                <a:effectLst/>
+                <a:latin typeface="+mn-lt"/>
+                <a:ea typeface="+mn-ea"/>
+                <a:cs typeface="+mn-cs"/>
+              </a:rPr>
+              <a:t>  We used a</a:t>
+            </a:r>
+            <a:r>
+              <a:rPr lang="en-US" sz="1200" kern="1200" baseline="0" dirty="0" smtClean="0">
+                <a:solidFill>
+                  <a:schemeClr val="tx1"/>
+                </a:solidFill>
+                <a:effectLst/>
+                <a:latin typeface="+mn-lt"/>
+                <a:ea typeface="+mn-ea"/>
+                <a:cs typeface="+mn-cs"/>
+              </a:rPr>
+              <a:t> weighted sample by setting our sampling probability for each stratum (of size N) to be 2000/N.</a:t>
+            </a:r>
             <a:endParaRPr lang="en-US" dirty="0"/>
           </a:p>
         </p:txBody>
@@ -783,7 +826,43 @@
                 <a:ea typeface="+mn-ea"/>
                 <a:cs typeface="+mn-cs"/>
               </a:rPr>
-              <a:t>The sample data was able to show statistically significant differences between days for nearly all the daytime hours (p-values were inconclusive between 1 and 6 am) using ANOVA tests. The margin of error for each of the 168 confidence intervals, without any multiple comparisons correction, ranged from 1 to 10 minutes (2 minute average ME).</a:t>
+              <a:t>The sample data was able to show statistically significant differences between days for nearly all the daytime hours (p-values were inconclusive between 1 and 6 am) using ANOVA tests. The margin of error for each of </a:t>
+            </a:r>
+            <a:r>
+              <a:rPr lang="en-US" sz="1200" kern="1200" smtClean="0">
+                <a:solidFill>
+                  <a:schemeClr val="tx1"/>
+                </a:solidFill>
+                <a:effectLst/>
+                <a:latin typeface="+mn-lt"/>
+                <a:ea typeface="+mn-ea"/>
+                <a:cs typeface="+mn-cs"/>
+              </a:rPr>
+              <a:t>the </a:t>
+            </a:r>
+            <a:r>
+              <a:rPr lang="en-US" sz="1200" kern="1200" smtClean="0">
+                <a:solidFill>
+                  <a:schemeClr val="tx1"/>
+                </a:solidFill>
+                <a:effectLst/>
+                <a:latin typeface="+mn-lt"/>
+                <a:ea typeface="+mn-ea"/>
+                <a:cs typeface="+mn-cs"/>
+              </a:rPr>
+              <a:t>168 95% </a:t>
+            </a:r>
+            <a:r>
+              <a:rPr lang="en-US" sz="1200" kern="1200" dirty="0" smtClean="0">
+                <a:solidFill>
+                  <a:schemeClr val="tx1"/>
+                </a:solidFill>
+                <a:effectLst/>
+                <a:latin typeface="+mn-lt"/>
+                <a:ea typeface="+mn-ea"/>
+                <a:cs typeface="+mn-cs"/>
+              </a:rPr>
+              <a:t>confidence intervals, without any multiple comparisons correction, ranged from 1 to 10 minutes (2 minute average ME).</a:t>
             </a:r>
           </a:p>
           <a:p>
@@ -828,6 +907,144 @@
 </file>
 
 <file path=ppt/notesSlides/notesSlide4.xml><?xml version="1.0" encoding="utf-8"?>
+<p:notes xmlns:a="http://schemas.openxmlformats.org/drawingml/2006/main" xmlns:r="http://schemas.openxmlformats.org/officeDocument/2006/relationships" xmlns:p="http://schemas.openxmlformats.org/presentationml/2006/main">
+  <p:cSld>
+    <p:spTree>
+      <p:nvGrpSpPr>
+        <p:cNvPr id="1" name=""/>
+        <p:cNvGrpSpPr/>
+        <p:nvPr/>
+      </p:nvGrpSpPr>
+      <p:grpSpPr>
+        <a:xfrm>
+          <a:off x="0" y="0"/>
+          <a:ext cx="0" cy="0"/>
+          <a:chOff x="0" y="0"/>
+          <a:chExt cx="0" cy="0"/>
+        </a:xfrm>
+      </p:grpSpPr>
+      <p:sp>
+        <p:nvSpPr>
+          <p:cNvPr id="2" name="Slide Image Placeholder 1"/>
+          <p:cNvSpPr>
+            <a:spLocks noGrp="1" noRot="1" noChangeAspect="1"/>
+          </p:cNvSpPr>
+          <p:nvPr>
+            <p:ph type="sldImg"/>
+          </p:nvPr>
+        </p:nvSpPr>
+        <p:spPr/>
+      </p:sp>
+      <p:sp>
+        <p:nvSpPr>
+          <p:cNvPr id="3" name="Notes Placeholder 2"/>
+          <p:cNvSpPr>
+            <a:spLocks noGrp="1"/>
+          </p:cNvSpPr>
+          <p:nvPr>
+            <p:ph type="body" idx="1"/>
+          </p:nvPr>
+        </p:nvSpPr>
+        <p:spPr/>
+        <p:txBody>
+          <a:bodyPr/>
+          <a:lstStyle/>
+          <a:p>
+            <a:r>
+              <a:rPr lang="en-US" dirty="0" smtClean="0"/>
+              <a:t>The</a:t>
+            </a:r>
+            <a:r>
+              <a:rPr lang="en-US" baseline="0" dirty="0" smtClean="0"/>
+              <a:t> </a:t>
+            </a:r>
+            <a:r>
+              <a:rPr lang="en-US" baseline="0" dirty="0" err="1" smtClean="0"/>
+              <a:t>fivethirtyeight</a:t>
+            </a:r>
+            <a:r>
+              <a:rPr lang="en-US" baseline="0" dirty="0" smtClean="0"/>
+              <a:t> approach resulted in a very similar graph.</a:t>
+            </a:r>
+          </a:p>
+          <a:p>
+            <a:r>
+              <a:rPr lang="en-US" baseline="0" dirty="0" err="1" smtClean="0"/>
+              <a:t>Fivethirtyeight</a:t>
+            </a:r>
+            <a:r>
+              <a:rPr lang="en-US" baseline="0" dirty="0" smtClean="0"/>
+              <a:t> also chose to treat negative delays as zero.</a:t>
+            </a:r>
+          </a:p>
+          <a:p>
+            <a:r>
+              <a:rPr lang="en-US" baseline="0" dirty="0" err="1" smtClean="0"/>
+              <a:t>Fivethirtyeight</a:t>
+            </a:r>
+            <a:r>
+              <a:rPr lang="en-US" baseline="0" dirty="0" smtClean="0"/>
+              <a:t> counted cancels and diversions as 120-minute delays.  Seems strange, in that we might prefer a 2.5 hour delay to a cancellation.</a:t>
+            </a:r>
+          </a:p>
+          <a:p>
+            <a:r>
+              <a:rPr lang="en-US" baseline="0" dirty="0" smtClean="0"/>
+              <a:t>The analysis pointed out that the absolute difference in median delay is pretty small.</a:t>
+            </a:r>
+          </a:p>
+          <a:p>
+            <a:r>
+              <a:rPr lang="en-US" baseline="0" dirty="0" smtClean="0"/>
+              <a:t>The article is here: http://fivethirtyeight.com/datalab/fly-early-arrive-on-time/</a:t>
+            </a:r>
+          </a:p>
+          <a:p>
+            <a:r>
+              <a:rPr lang="en-US" baseline="0" dirty="0" smtClean="0"/>
+              <a:t>  (it also shows that weather is a small, constant factor in delays across departure time)</a:t>
+            </a:r>
+            <a:endParaRPr lang="en-US" dirty="0"/>
+          </a:p>
+        </p:txBody>
+      </p:sp>
+      <p:sp>
+        <p:nvSpPr>
+          <p:cNvPr id="4" name="Slide Number Placeholder 3"/>
+          <p:cNvSpPr>
+            <a:spLocks noGrp="1"/>
+          </p:cNvSpPr>
+          <p:nvPr>
+            <p:ph type="sldNum" sz="quarter" idx="10"/>
+          </p:nvPr>
+        </p:nvSpPr>
+        <p:spPr/>
+        <p:txBody>
+          <a:bodyPr/>
+          <a:lstStyle/>
+          <a:p>
+            <a:fld id="{3BF9693C-674C-4668-97DA-E7EB7AA52C3E}" type="slidenum">
+              <a:rPr lang="en-US" smtClean="0"/>
+              <a:t>7</a:t>
+            </a:fld>
+            <a:endParaRPr lang="en-US"/>
+          </a:p>
+        </p:txBody>
+      </p:sp>
+    </p:spTree>
+    <p:extLst>
+      <p:ext uri="{BB962C8B-B14F-4D97-AF65-F5344CB8AC3E}">
+        <p14:creationId xmlns:p14="http://schemas.microsoft.com/office/powerpoint/2010/main" val="3585754025"/>
+      </p:ext>
+    </p:extLst>
+  </p:cSld>
+  <p:clrMapOvr>
+    <a:masterClrMapping/>
+  </p:clrMapOvr>
+</p:notes>
+</file>
+
+<file path=ppt/notesSlides/notesSlide5.xml><?xml version="1.0" encoding="utf-8"?>
 <p:notes xmlns:a="http://schemas.openxmlformats.org/drawingml/2006/main" xmlns:r="http://schemas.openxmlformats.org/officeDocument/2006/relationships" xmlns:p="http://schemas.openxmlformats.org/presentationml/2006/main">
   <p:cSld>
     <p:spTree>
@@ -4295,6 +4512,464 @@
 </p:sld>
 </file>
 
+<file path=ppt/slides/slide11.xml><?xml version="1.0" encoding="utf-8"?>
+<p:sld xmlns:a="http://schemas.openxmlformats.org/drawingml/2006/main" xmlns:r="http://schemas.openxmlformats.org/officeDocument/2006/relationships" xmlns:p="http://schemas.openxmlformats.org/presentationml/2006/main">
+  <p:cSld>
+    <p:spTree>
+      <p:nvGrpSpPr>
+        <p:cNvPr id="1" name=""/>
+        <p:cNvGrpSpPr/>
+        <p:nvPr/>
+      </p:nvGrpSpPr>
+      <p:grpSpPr>
+        <a:xfrm>
+          <a:off x="0" y="0"/>
+          <a:ext cx="0" cy="0"/>
+          <a:chOff x="0" y="0"/>
+          <a:chExt cx="0" cy="0"/>
+        </a:xfrm>
+      </p:grpSpPr>
+      <p:sp>
+        <p:nvSpPr>
+          <p:cNvPr id="2" name="Title 1"/>
+          <p:cNvSpPr>
+            <a:spLocks noGrp="1"/>
+          </p:cNvSpPr>
+          <p:nvPr>
+            <p:ph type="title"/>
+          </p:nvPr>
+        </p:nvSpPr>
+        <p:spPr/>
+        <p:txBody>
+          <a:bodyPr/>
+          <a:lstStyle/>
+          <a:p>
+            <a:endParaRPr lang="en-US"/>
+          </a:p>
+        </p:txBody>
+      </p:sp>
+      <p:sp>
+        <p:nvSpPr>
+          <p:cNvPr id="3" name="Content Placeholder 2"/>
+          <p:cNvSpPr>
+            <a:spLocks noGrp="1"/>
+          </p:cNvSpPr>
+          <p:nvPr>
+            <p:ph idx="1"/>
+          </p:nvPr>
+        </p:nvSpPr>
+        <p:spPr/>
+        <p:txBody>
+          <a:bodyPr/>
+          <a:lstStyle/>
+          <a:p>
+            <a:endParaRPr lang="en-US"/>
+          </a:p>
+        </p:txBody>
+      </p:sp>
+    </p:spTree>
+    <p:extLst>
+      <p:ext uri="{BB962C8B-B14F-4D97-AF65-F5344CB8AC3E}">
+        <p14:creationId xmlns:p14="http://schemas.microsoft.com/office/powerpoint/2010/main" val="4264133600"/>
+      </p:ext>
+    </p:extLst>
+  </p:cSld>
+  <p:clrMapOvr>
+    <a:masterClrMapping/>
+  </p:clrMapOvr>
+</p:sld>
+</file>
+
+<file path=ppt/slides/slide12.xml><?xml version="1.0" encoding="utf-8"?>
+<p:sld xmlns:a="http://schemas.openxmlformats.org/drawingml/2006/main" xmlns:r="http://schemas.openxmlformats.org/officeDocument/2006/relationships" xmlns:p="http://schemas.openxmlformats.org/presentationml/2006/main">
+  <p:cSld>
+    <p:spTree>
+      <p:nvGrpSpPr>
+        <p:cNvPr id="1" name=""/>
+        <p:cNvGrpSpPr/>
+        <p:nvPr/>
+      </p:nvGrpSpPr>
+      <p:grpSpPr>
+        <a:xfrm>
+          <a:off x="0" y="0"/>
+          <a:ext cx="0" cy="0"/>
+          <a:chOff x="0" y="0"/>
+          <a:chExt cx="0" cy="0"/>
+        </a:xfrm>
+      </p:grpSpPr>
+      <p:sp>
+        <p:nvSpPr>
+          <p:cNvPr id="8" name="TextBox 7"/>
+          <p:cNvSpPr txBox="1"/>
+          <p:nvPr/>
+        </p:nvSpPr>
+        <p:spPr>
+          <a:xfrm>
+            <a:off x="1600200" y="533400"/>
+            <a:ext cx="2971800" cy="2062103"/>
+          </a:xfrm>
+          <a:prstGeom prst="rect">
+            <a:avLst/>
+          </a:prstGeom>
+          <a:noFill/>
+        </p:spPr>
+        <p:txBody>
+          <a:bodyPr wrap="square" rtlCol="0">
+            <a:spAutoFit/>
+          </a:bodyPr>
+          <a:lstStyle/>
+          <a:p>
+            <a:r>
+              <a:rPr lang="en-US" sz="3200" dirty="0" smtClean="0"/>
+              <a:t>Consistent Shape </a:t>
+            </a:r>
+          </a:p>
+          <a:p>
+            <a:r>
+              <a:rPr lang="en-US" sz="3200" dirty="0" smtClean="0"/>
+              <a:t>Across Different</a:t>
+            </a:r>
+          </a:p>
+          <a:p>
+            <a:r>
+              <a:rPr lang="en-US" sz="3200" dirty="0" smtClean="0"/>
+              <a:t>Metrics</a:t>
+            </a:r>
+          </a:p>
+        </p:txBody>
+      </p:sp>
+      <p:pic>
+        <p:nvPicPr>
+          <p:cNvPr id="2" name="Picture 1"/>
+          <p:cNvPicPr>
+            <a:picLocks noChangeAspect="1"/>
+          </p:cNvPicPr>
+          <p:nvPr/>
+        </p:nvPicPr>
+        <p:blipFill>
+          <a:blip r:embed="rId2"/>
+          <a:stretch>
+            <a:fillRect/>
+          </a:stretch>
+        </p:blipFill>
+        <p:spPr>
+          <a:xfrm>
+            <a:off x="4572000" y="3043245"/>
+            <a:ext cx="3510417" cy="3505193"/>
+          </a:xfrm>
+          <a:prstGeom prst="rect">
+            <a:avLst/>
+          </a:prstGeom>
+        </p:spPr>
+      </p:pic>
+      <p:pic>
+        <p:nvPicPr>
+          <p:cNvPr id="3" name="Picture 2"/>
+          <p:cNvPicPr>
+            <a:picLocks noChangeAspect="1"/>
+          </p:cNvPicPr>
+          <p:nvPr/>
+        </p:nvPicPr>
+        <p:blipFill>
+          <a:blip r:embed="rId3"/>
+          <a:stretch>
+            <a:fillRect/>
+          </a:stretch>
+        </p:blipFill>
+        <p:spPr>
+          <a:xfrm>
+            <a:off x="1371600" y="3043245"/>
+            <a:ext cx="3586729" cy="3581392"/>
+          </a:xfrm>
+          <a:prstGeom prst="rect">
+            <a:avLst/>
+          </a:prstGeom>
+        </p:spPr>
+      </p:pic>
+      <p:pic>
+        <p:nvPicPr>
+          <p:cNvPr id="4" name="Picture 3"/>
+          <p:cNvPicPr>
+            <a:picLocks noChangeAspect="1"/>
+          </p:cNvPicPr>
+          <p:nvPr/>
+        </p:nvPicPr>
+        <p:blipFill>
+          <a:blip r:embed="rId4"/>
+          <a:stretch>
+            <a:fillRect/>
+          </a:stretch>
+        </p:blipFill>
+        <p:spPr>
+          <a:xfrm>
+            <a:off x="4958328" y="381000"/>
+            <a:ext cx="2666213" cy="2662245"/>
+          </a:xfrm>
+          <a:prstGeom prst="rect">
+            <a:avLst/>
+          </a:prstGeom>
+        </p:spPr>
+      </p:pic>
+    </p:spTree>
+    <p:extLst>
+      <p:ext uri="{BB962C8B-B14F-4D97-AF65-F5344CB8AC3E}">
+        <p14:creationId xmlns:p14="http://schemas.microsoft.com/office/powerpoint/2010/main" val="4150272596"/>
+      </p:ext>
+    </p:extLst>
+  </p:cSld>
+  <p:clrMapOvr>
+    <a:masterClrMapping/>
+  </p:clrMapOvr>
+</p:sld>
+</file>
+
+<file path=ppt/slides/slide13.xml><?xml version="1.0" encoding="utf-8"?>
+<p:sld xmlns:a="http://schemas.openxmlformats.org/drawingml/2006/main" xmlns:r="http://schemas.openxmlformats.org/officeDocument/2006/relationships" xmlns:p="http://schemas.openxmlformats.org/presentationml/2006/main">
+  <p:cSld>
+    <p:spTree>
+      <p:nvGrpSpPr>
+        <p:cNvPr id="1" name=""/>
+        <p:cNvGrpSpPr/>
+        <p:nvPr/>
+      </p:nvGrpSpPr>
+      <p:grpSpPr>
+        <a:xfrm>
+          <a:off x="0" y="0"/>
+          <a:ext cx="0" cy="0"/>
+          <a:chOff x="0" y="0"/>
+          <a:chExt cx="0" cy="0"/>
+        </a:xfrm>
+      </p:grpSpPr>
+      <p:pic>
+        <p:nvPicPr>
+          <p:cNvPr id="1026" name="Picture 2"/>
+          <p:cNvPicPr>
+            <a:picLocks noChangeAspect="1" noChangeArrowheads="1"/>
+          </p:cNvPicPr>
+          <p:nvPr/>
+        </p:nvPicPr>
+        <p:blipFill>
+          <a:blip r:embed="rId2">
+            <a:extLst>
+              <a:ext uri="{28A0092B-C50C-407E-A947-70E740481C1C}">
+                <a14:useLocalDpi xmlns:a14="http://schemas.microsoft.com/office/drawing/2010/main" val="0"/>
+              </a:ext>
+            </a:extLst>
+          </a:blip>
+          <a:srcRect/>
+          <a:stretch>
+            <a:fillRect/>
+          </a:stretch>
+        </p:blipFill>
+        <p:spPr bwMode="auto">
+          <a:xfrm>
+            <a:off x="6349" y="6350"/>
+            <a:ext cx="3422651" cy="3417501"/>
+          </a:xfrm>
+          <a:prstGeom prst="rect">
+            <a:avLst/>
+          </a:prstGeom>
+          <a:solidFill>
+            <a:srgbClr val="FFFFFF"/>
+          </a:solidFill>
+          <a:ln>
+            <a:noFill/>
+          </a:ln>
+          <a:extLst>
+            <a:ext uri="{91240B29-F687-4F45-9708-019B960494DF}">
+              <a14:hiddenLine xmlns:a14="http://schemas.microsoft.com/office/drawing/2010/main" w="9525">
+                <a:solidFill>
+                  <a:srgbClr val="000000"/>
+                </a:solidFill>
+                <a:miter lim="800000"/>
+                <a:headEnd/>
+                <a:tailEnd/>
+              </a14:hiddenLine>
+            </a:ext>
+          </a:extLst>
+        </p:spPr>
+      </p:pic>
+      <p:pic>
+        <p:nvPicPr>
+          <p:cNvPr id="1027" name="Picture 3"/>
+          <p:cNvPicPr>
+            <a:picLocks noChangeAspect="1" noChangeArrowheads="1"/>
+          </p:cNvPicPr>
+          <p:nvPr/>
+        </p:nvPicPr>
+        <p:blipFill>
+          <a:blip r:embed="rId3">
+            <a:extLst>
+              <a:ext uri="{28A0092B-C50C-407E-A947-70E740481C1C}">
+                <a14:useLocalDpi xmlns:a14="http://schemas.microsoft.com/office/drawing/2010/main" val="0"/>
+              </a:ext>
+            </a:extLst>
+          </a:blip>
+          <a:srcRect/>
+          <a:stretch>
+            <a:fillRect/>
+          </a:stretch>
+        </p:blipFill>
+        <p:spPr bwMode="auto">
+          <a:xfrm>
+            <a:off x="4723656" y="0"/>
+            <a:ext cx="3429010" cy="3423851"/>
+          </a:xfrm>
+          <a:prstGeom prst="rect">
+            <a:avLst/>
+          </a:prstGeom>
+          <a:solidFill>
+            <a:srgbClr val="FFFFFF"/>
+          </a:solidFill>
+          <a:ln>
+            <a:noFill/>
+          </a:ln>
+          <a:extLst>
+            <a:ext uri="{91240B29-F687-4F45-9708-019B960494DF}">
+              <a14:hiddenLine xmlns:a14="http://schemas.microsoft.com/office/drawing/2010/main" w="9525">
+                <a:solidFill>
+                  <a:srgbClr val="000000"/>
+                </a:solidFill>
+                <a:miter lim="800000"/>
+                <a:headEnd/>
+                <a:tailEnd/>
+              </a14:hiddenLine>
+            </a:ext>
+          </a:extLst>
+        </p:spPr>
+      </p:pic>
+      <p:pic>
+        <p:nvPicPr>
+          <p:cNvPr id="1028" name="Picture 4"/>
+          <p:cNvPicPr>
+            <a:picLocks noChangeAspect="1" noChangeArrowheads="1"/>
+          </p:cNvPicPr>
+          <p:nvPr/>
+        </p:nvPicPr>
+        <p:blipFill>
+          <a:blip r:embed="rId4">
+            <a:extLst>
+              <a:ext uri="{28A0092B-C50C-407E-A947-70E740481C1C}">
+                <a14:useLocalDpi xmlns:a14="http://schemas.microsoft.com/office/drawing/2010/main" val="0"/>
+              </a:ext>
+            </a:extLst>
+          </a:blip>
+          <a:srcRect/>
+          <a:stretch>
+            <a:fillRect/>
+          </a:stretch>
+        </p:blipFill>
+        <p:spPr bwMode="auto">
+          <a:xfrm>
+            <a:off x="234950" y="3423851"/>
+            <a:ext cx="3194050" cy="3189245"/>
+          </a:xfrm>
+          <a:prstGeom prst="rect">
+            <a:avLst/>
+          </a:prstGeom>
+          <a:solidFill>
+            <a:srgbClr val="FFFFFF"/>
+          </a:solidFill>
+          <a:ln>
+            <a:noFill/>
+          </a:ln>
+          <a:extLst>
+            <a:ext uri="{91240B29-F687-4F45-9708-019B960494DF}">
+              <a14:hiddenLine xmlns:a14="http://schemas.microsoft.com/office/drawing/2010/main" w="9525">
+                <a:solidFill>
+                  <a:srgbClr val="000000"/>
+                </a:solidFill>
+                <a:miter lim="800000"/>
+                <a:headEnd/>
+                <a:tailEnd/>
+              </a14:hiddenLine>
+            </a:ext>
+          </a:extLst>
+        </p:spPr>
+      </p:pic>
+      <p:sp>
+        <p:nvSpPr>
+          <p:cNvPr id="4" name="TextBox 3"/>
+          <p:cNvSpPr txBox="1"/>
+          <p:nvPr/>
+        </p:nvSpPr>
+        <p:spPr>
+          <a:xfrm>
+            <a:off x="4021345" y="4419600"/>
+            <a:ext cx="4833631" cy="1477328"/>
+          </a:xfrm>
+          <a:prstGeom prst="rect">
+            <a:avLst/>
+          </a:prstGeom>
+          <a:noFill/>
+        </p:spPr>
+        <p:txBody>
+          <a:bodyPr wrap="none" rtlCol="0">
+            <a:spAutoFit/>
+          </a:bodyPr>
+          <a:lstStyle/>
+          <a:p>
+            <a:r>
+              <a:rPr lang="en-US" dirty="0" smtClean="0"/>
+              <a:t>The 3am spike is consistent across days in</a:t>
+            </a:r>
+          </a:p>
+          <a:p>
+            <a:r>
+              <a:rPr lang="en-US" dirty="0" smtClean="0"/>
+              <a:t>both all three years.  Median and lower quartiles</a:t>
+            </a:r>
+          </a:p>
+          <a:p>
+            <a:r>
+              <a:rPr lang="en-US" dirty="0" smtClean="0"/>
+              <a:t>look similar, and 2am has a more extreme outlier;</a:t>
+            </a:r>
+          </a:p>
+          <a:p>
+            <a:r>
+              <a:rPr lang="en-US" dirty="0" smtClean="0"/>
+              <a:t>The 75</a:t>
+            </a:r>
+            <a:r>
+              <a:rPr lang="en-US" baseline="30000" dirty="0" smtClean="0"/>
+              <a:t>th</a:t>
+            </a:r>
+            <a:r>
+              <a:rPr lang="en-US" dirty="0" smtClean="0"/>
+              <a:t> percentile is noticeably bigger for 3am</a:t>
+            </a:r>
+          </a:p>
+          <a:p>
+            <a:r>
+              <a:rPr lang="en-US" dirty="0" smtClean="0"/>
+              <a:t>(16 </a:t>
+            </a:r>
+            <a:r>
+              <a:rPr lang="en-US" dirty="0" err="1" smtClean="0"/>
+              <a:t>vs</a:t>
+            </a:r>
+            <a:r>
+              <a:rPr lang="en-US" dirty="0" smtClean="0"/>
+              <a:t> 4 minutes)</a:t>
+            </a:r>
+            <a:endParaRPr lang="en-US" dirty="0"/>
+          </a:p>
+        </p:txBody>
+      </p:sp>
+    </p:spTree>
+    <p:extLst>
+      <p:ext uri="{BB962C8B-B14F-4D97-AF65-F5344CB8AC3E}">
+        <p14:creationId xmlns:p14="http://schemas.microsoft.com/office/powerpoint/2010/main" val="766824592"/>
+      </p:ext>
+    </p:extLst>
+  </p:cSld>
+  <p:clrMapOvr>
+    <a:masterClrMapping/>
+  </p:clrMapOvr>
+</p:sld>
+</file>
+
 <file path=ppt/slides/slide2.xml><?xml version="1.0" encoding="utf-8"?>
 <p:sld xmlns:a="http://schemas.openxmlformats.org/drawingml/2006/main" xmlns:r="http://schemas.openxmlformats.org/officeDocument/2006/relationships" xmlns:p="http://schemas.openxmlformats.org/presentationml/2006/main">
   <p:cSld>
@@ -5145,7 +5820,11 @@
             <a:pPr lvl="1"/>
             <a:r>
               <a:rPr lang="en-US" dirty="0" smtClean="0"/>
-              <a:t>About 2000 flights each</a:t>
+              <a:t>About 2000 flights </a:t>
+            </a:r>
+            <a:r>
+              <a:rPr lang="en-US" dirty="0" smtClean="0"/>
+              <a:t>each (or population if smaller)</a:t>
             </a:r>
             <a:endParaRPr lang="en-US" dirty="0"/>
           </a:p>
@@ -5721,36 +6400,118 @@
               </a:rPr>
               <a:t>Fivethirtyeight</a:t>
             </a:r>
-            <a:r>
-              <a:rPr lang="en-US" dirty="0">
+            <a:endParaRPr lang="en-US" dirty="0">
+              <a:solidFill>
+                <a:srgbClr val="FF0000"/>
+              </a:solidFill>
+            </a:endParaRPr>
+          </a:p>
+        </p:txBody>
+      </p:sp>
+      <p:sp>
+        <p:nvSpPr>
+          <p:cNvPr id="3" name="Content Placeholder 2"/>
+          <p:cNvSpPr>
+            <a:spLocks noGrp="1"/>
+          </p:cNvSpPr>
+          <p:nvPr>
+            <p:ph idx="1"/>
+          </p:nvPr>
+        </p:nvSpPr>
+        <p:spPr>
+          <a:xfrm>
+            <a:off x="457200" y="1600200"/>
+            <a:ext cx="8229600" cy="5105399"/>
+          </a:xfrm>
+        </p:spPr>
+        <p:txBody>
+          <a:bodyPr/>
+          <a:lstStyle/>
+          <a:p>
+            <a:r>
+              <a:rPr lang="en-US" dirty="0" smtClean="0"/>
+              <a:t>Nate Silver (of fivethirtyeight.com fame) answered our question of interest on April 19, using just the 2013 BTS data</a:t>
+            </a:r>
+          </a:p>
+          <a:p>
+            <a:r>
+              <a:rPr lang="en-US" dirty="0" smtClean="0"/>
+              <a:t>Our (independent) results are similar</a:t>
+            </a:r>
+          </a:p>
+          <a:p>
+            <a:r>
+              <a:rPr lang="en-US" dirty="0" smtClean="0"/>
+              <a:t>The fivethirtyeight.com</a:t>
+            </a:r>
+          </a:p>
+          <a:p>
+            <a:pPr marL="0" indent="0">
+              <a:buNone/>
+            </a:pPr>
+            <a:r>
+              <a:rPr lang="en-US" dirty="0" smtClean="0"/>
+              <a:t>graph was conveniently</a:t>
+            </a:r>
+          </a:p>
+          <a:p>
+            <a:pPr marL="0" indent="0">
+              <a:buNone/>
+            </a:pPr>
+            <a:r>
+              <a:rPr lang="en-US" dirty="0" smtClean="0"/>
+              <a:t>limited to 5am-11pm</a:t>
+            </a:r>
+          </a:p>
+          <a:p>
+            <a:endParaRPr lang="en-US" dirty="0" smtClean="0"/>
+          </a:p>
+          <a:p>
+            <a:endParaRPr lang="en-US" dirty="0"/>
+          </a:p>
+        </p:txBody>
+      </p:sp>
+      <p:pic>
+        <p:nvPicPr>
+          <p:cNvPr id="1026" name="Picture 2" descr="silver-flights-1"/>
+          <p:cNvPicPr>
+            <a:picLocks noChangeAspect="1" noChangeArrowheads="1"/>
+          </p:cNvPicPr>
+          <p:nvPr/>
+        </p:nvPicPr>
+        <p:blipFill>
+          <a:blip r:embed="rId3">
+            <a:extLst>
+              <a:ext uri="{28A0092B-C50C-407E-A947-70E740481C1C}">
+                <a14:useLocalDpi xmlns:a14="http://schemas.microsoft.com/office/drawing/2010/main" val="0"/>
+              </a:ext>
+            </a:extLst>
+          </a:blip>
+          <a:srcRect/>
+          <a:stretch>
+            <a:fillRect/>
+          </a:stretch>
+        </p:blipFill>
+        <p:spPr bwMode="auto">
+          <a:xfrm>
+            <a:off x="5105400" y="3810000"/>
+            <a:ext cx="3273425" cy="2548978"/>
+          </a:xfrm>
+          <a:prstGeom prst="rect">
+            <a:avLst/>
+          </a:prstGeom>
+          <a:noFill/>
+          <a:extLst>
+            <a:ext uri="{909E8E84-426E-40DD-AFC4-6F175D3DCCD1}">
+              <a14:hiddenFill xmlns:a14="http://schemas.microsoft.com/office/drawing/2010/main">
                 <a:solidFill>
-                  <a:srgbClr val="FF0000"/>
+                  <a:srgbClr val="FFFFFF"/>
                 </a:solidFill>
-              </a:rPr>
-              <a:t>?</a:t>
-            </a:r>
-          </a:p>
-        </p:txBody>
-      </p:sp>
-      <p:sp>
-        <p:nvSpPr>
-          <p:cNvPr id="3" name="Content Placeholder 2"/>
-          <p:cNvSpPr>
-            <a:spLocks noGrp="1"/>
-          </p:cNvSpPr>
-          <p:nvPr>
-            <p:ph idx="1"/>
-          </p:nvPr>
-        </p:nvSpPr>
-        <p:spPr/>
-        <p:txBody>
-          <a:bodyPr/>
-          <a:lstStyle/>
-          <a:p>
-            <a:endParaRPr lang="en-US" dirty="0"/>
-          </a:p>
-        </p:txBody>
-      </p:sp>
+              </a14:hiddenFill>
+            </a:ext>
+          </a:extLst>
+        </p:spPr>
+      </p:pic>
     </p:spTree>
     <p:extLst>
       <p:ext uri="{BB962C8B-B14F-4D97-AF65-F5344CB8AC3E}">

--- a/project_2_presentation.pptx
+++ b/project_2_presentation.pptx
@@ -634,19 +634,7 @@
                 <a:ea typeface="+mn-ea"/>
                 <a:cs typeface="+mn-cs"/>
               </a:rPr>
-              <a:t>We considered several sampling designs and decided to stratify by day of week and hour of day.  Our initial simple random sample gave small subsamples for late evening/early morning flights, and omitted some hours entirely on some days.  By stratifying, we ensured we could estimate a value for all 168 (24 hours * 7 days) times.  We sampled roughly 2000 flights in each stratum, or the whole population if that was smaller. </a:t>
-            </a:r>
-            <a:r>
-              <a:rPr lang="en-US" sz="1200" kern="1200" dirty="0" smtClean="0">
-                <a:solidFill>
-                  <a:schemeClr val="tx1"/>
-                </a:solidFill>
-                <a:effectLst/>
-                <a:latin typeface="+mn-lt"/>
-                <a:ea typeface="+mn-ea"/>
-                <a:cs typeface="+mn-cs"/>
-              </a:rPr>
-              <a:t>  We used a</a:t>
+              <a:t>We considered several sampling designs and decided to stratify by day of week and hour of day.  Our initial simple random sample gave small subsamples for late evening/early morning flights, and omitted some hours entirely on some days.  By stratifying, we ensured we could estimate a value for all 168 (24 hours * 7 days) times.  We sampled roughly 2000 flights in each stratum, or the whole population if that was smaller.   We used a</a:t>
             </a:r>
             <a:r>
               <a:rPr lang="en-US" sz="1200" kern="1200" baseline="0" dirty="0" smtClean="0">
@@ -838,19 +826,7 @@
                 <a:ea typeface="+mn-ea"/>
                 <a:cs typeface="+mn-cs"/>
               </a:rPr>
-              <a:t>the </a:t>
-            </a:r>
-            <a:r>
-              <a:rPr lang="en-US" sz="1200" kern="1200" smtClean="0">
-                <a:solidFill>
-                  <a:schemeClr val="tx1"/>
-                </a:solidFill>
-                <a:effectLst/>
-                <a:latin typeface="+mn-lt"/>
-                <a:ea typeface="+mn-ea"/>
-                <a:cs typeface="+mn-cs"/>
-              </a:rPr>
-              <a:t>168 95% </a:t>
+              <a:t>the 168 95% </a:t>
             </a:r>
             <a:r>
               <a:rPr lang="en-US" sz="1200" kern="1200" dirty="0" smtClean="0">
@@ -4605,7 +4581,7 @@
         </p:nvSpPr>
         <p:spPr>
           <a:xfrm>
-            <a:off x="1600200" y="533400"/>
+            <a:off x="228600" y="533398"/>
             <a:ext cx="2971800" cy="2062103"/>
           </a:xfrm>
           <a:prstGeom prst="rect">
@@ -4654,8 +4630,8 @@
         </p:blipFill>
         <p:spPr>
           <a:xfrm>
-            <a:off x="4572000" y="3043245"/>
-            <a:ext cx="3510417" cy="3505193"/>
+            <a:off x="3048681" y="3047999"/>
+            <a:ext cx="2857557" cy="2853305"/>
           </a:xfrm>
           <a:prstGeom prst="rect">
             <a:avLst/>
@@ -4678,8 +4654,8 @@
         </p:blipFill>
         <p:spPr>
           <a:xfrm>
-            <a:off x="1371600" y="3043245"/>
-            <a:ext cx="3586729" cy="3581392"/>
+            <a:off x="0" y="3086100"/>
+            <a:ext cx="2819400" cy="2815205"/>
           </a:xfrm>
           <a:prstGeom prst="rect">
             <a:avLst/>
@@ -4702,8 +4678,56 @@
         </p:blipFill>
         <p:spPr>
           <a:xfrm>
-            <a:off x="4958328" y="381000"/>
+            <a:off x="3240025" y="233326"/>
             <a:ext cx="2666213" cy="2662245"/>
+          </a:xfrm>
+          <a:prstGeom prst="rect">
+            <a:avLst/>
+          </a:prstGeom>
+        </p:spPr>
+      </p:pic>
+      <p:pic>
+        <p:nvPicPr>
+          <p:cNvPr id="6" name="Picture 5"/>
+          <p:cNvPicPr>
+            <a:picLocks noChangeAspect="1"/>
+          </p:cNvPicPr>
+          <p:nvPr/>
+        </p:nvPicPr>
+        <p:blipFill>
+          <a:blip r:embed="rId5"/>
+          <a:stretch>
+            <a:fillRect/>
+          </a:stretch>
+        </p:blipFill>
+        <p:spPr>
+          <a:xfrm>
+            <a:off x="5906239" y="3086101"/>
+            <a:ext cx="2819400" cy="2815204"/>
+          </a:xfrm>
+          <a:prstGeom prst="rect">
+            <a:avLst/>
+          </a:prstGeom>
+        </p:spPr>
+      </p:pic>
+      <p:pic>
+        <p:nvPicPr>
+          <p:cNvPr id="5" name="Picture 4"/>
+          <p:cNvPicPr>
+            <a:picLocks noChangeAspect="1"/>
+          </p:cNvPicPr>
+          <p:nvPr/>
+        </p:nvPicPr>
+        <p:blipFill>
+          <a:blip r:embed="rId6"/>
+          <a:stretch>
+            <a:fillRect/>
+          </a:stretch>
+        </p:blipFill>
+        <p:spPr>
+          <a:xfrm>
+            <a:off x="5945863" y="233326"/>
+            <a:ext cx="2798106" cy="2509811"/>
           </a:xfrm>
           <a:prstGeom prst="rect">
             <a:avLst/>
@@ -4713,7 +4737,7 @@
     </p:spTree>
     <p:extLst>
       <p:ext uri="{BB962C8B-B14F-4D97-AF65-F5344CB8AC3E}">
-        <p14:creationId xmlns:p14="http://schemas.microsoft.com/office/powerpoint/2010/main" val="4150272596"/>
+        <p14:creationId xmlns:p14="http://schemas.microsoft.com/office/powerpoint/2010/main" val="2128237911"/>
       </p:ext>
     </p:extLst>
   </p:cSld>
@@ -5820,11 +5844,7 @@
             <a:pPr lvl="1"/>
             <a:r>
               <a:rPr lang="en-US" dirty="0" smtClean="0"/>
-              <a:t>About 2000 flights </a:t>
-            </a:r>
-            <a:r>
-              <a:rPr lang="en-US" dirty="0" smtClean="0"/>
-              <a:t>each (or population if smaller)</a:t>
+              <a:t>About 2000 flights each (or population if smaller)</a:t>
             </a:r>
             <a:endParaRPr lang="en-US" dirty="0"/>
           </a:p>

--- a/project_2_presentation.pptx
+++ b/project_2_presentation.pptx
@@ -121,7 +121,7 @@
   </p:defaultTextStyle>
   <p:extLst>
     <p:ext uri="{EFAFB233-063F-42B5-8137-9DF3F51BA10A}">
-      <p15:sldGuideLst xmlns:p15="http://schemas.microsoft.com/office/powerpoint/2012/main">
+      <p15:sldGuideLst xmlns:p15="http://schemas.microsoft.com/office/powerpoint/2012/main" xmlns="">
         <p15:guide id="1" orient="horz" pos="2160">
           <p15:clr>
             <a:srgbClr val="A4A3A4"/>
@@ -220,7 +220,7 @@
           <a:p>
             <a:fld id="{C5F8BAF5-3FF5-421E-A723-E6242AAB3235}" type="datetimeFigureOut">
               <a:rPr lang="en-US" smtClean="0"/>
-              <a:t>5/12/2014</a:t>
+              <a:t>5/13/2014</a:t>
             </a:fld>
             <a:endParaRPr lang="en-US"/>
           </a:p>
@@ -1352,7 +1352,7 @@
           <a:p>
             <a:fld id="{DD13DB93-76A0-45FB-ABE0-140B19975246}" type="datetimeFigureOut">
               <a:rPr lang="en-US" smtClean="0"/>
-              <a:t>5/12/2014</a:t>
+              <a:t>5/13/2014</a:t>
             </a:fld>
             <a:endParaRPr lang="en-US"/>
           </a:p>
@@ -1522,7 +1522,7 @@
           <a:p>
             <a:fld id="{DD13DB93-76A0-45FB-ABE0-140B19975246}" type="datetimeFigureOut">
               <a:rPr lang="en-US" smtClean="0"/>
-              <a:t>5/12/2014</a:t>
+              <a:t>5/13/2014</a:t>
             </a:fld>
             <a:endParaRPr lang="en-US"/>
           </a:p>
@@ -1702,7 +1702,7 @@
           <a:p>
             <a:fld id="{DD13DB93-76A0-45FB-ABE0-140B19975246}" type="datetimeFigureOut">
               <a:rPr lang="en-US" smtClean="0"/>
-              <a:t>5/12/2014</a:t>
+              <a:t>5/13/2014</a:t>
             </a:fld>
             <a:endParaRPr lang="en-US"/>
           </a:p>
@@ -1872,7 +1872,7 @@
           <a:p>
             <a:fld id="{DD13DB93-76A0-45FB-ABE0-140B19975246}" type="datetimeFigureOut">
               <a:rPr lang="en-US" smtClean="0"/>
-              <a:t>5/12/2014</a:t>
+              <a:t>5/13/2014</a:t>
             </a:fld>
             <a:endParaRPr lang="en-US"/>
           </a:p>
@@ -2118,7 +2118,7 @@
           <a:p>
             <a:fld id="{DD13DB93-76A0-45FB-ABE0-140B19975246}" type="datetimeFigureOut">
               <a:rPr lang="en-US" smtClean="0"/>
-              <a:t>5/12/2014</a:t>
+              <a:t>5/13/2014</a:t>
             </a:fld>
             <a:endParaRPr lang="en-US"/>
           </a:p>
@@ -2406,7 +2406,7 @@
           <a:p>
             <a:fld id="{DD13DB93-76A0-45FB-ABE0-140B19975246}" type="datetimeFigureOut">
               <a:rPr lang="en-US" smtClean="0"/>
-              <a:t>5/12/2014</a:t>
+              <a:t>5/13/2014</a:t>
             </a:fld>
             <a:endParaRPr lang="en-US"/>
           </a:p>
@@ -2828,7 +2828,7 @@
           <a:p>
             <a:fld id="{DD13DB93-76A0-45FB-ABE0-140B19975246}" type="datetimeFigureOut">
               <a:rPr lang="en-US" smtClean="0"/>
-              <a:t>5/12/2014</a:t>
+              <a:t>5/13/2014</a:t>
             </a:fld>
             <a:endParaRPr lang="en-US"/>
           </a:p>
@@ -2946,7 +2946,7 @@
           <a:p>
             <a:fld id="{DD13DB93-76A0-45FB-ABE0-140B19975246}" type="datetimeFigureOut">
               <a:rPr lang="en-US" smtClean="0"/>
-              <a:t>5/12/2014</a:t>
+              <a:t>5/13/2014</a:t>
             </a:fld>
             <a:endParaRPr lang="en-US"/>
           </a:p>
@@ -3041,7 +3041,7 @@
           <a:p>
             <a:fld id="{DD13DB93-76A0-45FB-ABE0-140B19975246}" type="datetimeFigureOut">
               <a:rPr lang="en-US" smtClean="0"/>
-              <a:t>5/12/2014</a:t>
+              <a:t>5/13/2014</a:t>
             </a:fld>
             <a:endParaRPr lang="en-US"/>
           </a:p>
@@ -3318,7 +3318,7 @@
           <a:p>
             <a:fld id="{DD13DB93-76A0-45FB-ABE0-140B19975246}" type="datetimeFigureOut">
               <a:rPr lang="en-US" smtClean="0"/>
-              <a:t>5/12/2014</a:t>
+              <a:t>5/13/2014</a:t>
             </a:fld>
             <a:endParaRPr lang="en-US"/>
           </a:p>
@@ -3571,7 +3571,7 @@
           <a:p>
             <a:fld id="{DD13DB93-76A0-45FB-ABE0-140B19975246}" type="datetimeFigureOut">
               <a:rPr lang="en-US" smtClean="0"/>
-              <a:t>5/12/2014</a:t>
+              <a:t>5/13/2014</a:t>
             </a:fld>
             <a:endParaRPr lang="en-US"/>
           </a:p>
@@ -3784,7 +3784,7 @@
           <a:p>
             <a:fld id="{DD13DB93-76A0-45FB-ABE0-140B19975246}" type="datetimeFigureOut">
               <a:rPr lang="en-US" smtClean="0"/>
-              <a:t>5/12/2014</a:t>
+              <a:t>5/13/2014</a:t>
             </a:fld>
             <a:endParaRPr lang="en-US"/>
           </a:p>
@@ -5481,7 +5481,7 @@
         <p:spPr>
           <a:xfrm>
             <a:off x="4343400" y="1336356"/>
-            <a:ext cx="3019096" cy="707886"/>
+            <a:ext cx="3007875" cy="707886"/>
           </a:xfrm>
           <a:prstGeom prst="rect">
             <a:avLst/>
@@ -5496,7 +5496,15 @@
           <a:p>
             <a:r>
               <a:rPr lang="en-US" sz="2000" dirty="0" smtClean="0"/>
-              <a:t>-Wednesday 5:00 pm ~23%</a:t>
+              <a:t>-Wednesday 5:00 </a:t>
+            </a:r>
+            <a:r>
+              <a:rPr lang="en-US" sz="2000" dirty="0" smtClean="0"/>
+              <a:t>am </a:t>
+            </a:r>
+            <a:r>
+              <a:rPr lang="en-US" sz="2000" dirty="0" smtClean="0"/>
+              <a:t>~23%</a:t>
             </a:r>
           </a:p>
           <a:p>
@@ -5837,8 +5845,17 @@
             </a:r>
             <a:r>
               <a:rPr lang="en-US" dirty="0" smtClean="0"/>
-              <a:t> * 7 days = 168 stratum </a:t>
-            </a:r>
+              <a:t> * 7 days = </a:t>
+            </a:r>
+            <a:r>
+              <a:rPr lang="en-US" smtClean="0"/>
+              <a:t>168 </a:t>
+            </a:r>
+            <a:r>
+              <a:rPr lang="en-US" smtClean="0"/>
+              <a:t>strata </a:t>
+            </a:r>
+            <a:endParaRPr lang="en-US" dirty="0" smtClean="0"/>
           </a:p>
           <a:p>
             <a:pPr lvl="1"/>
@@ -6144,9 +6161,6 @@
                     <p:cTn id="3" fill="hold">
                       <p:stCondLst>
                         <p:cond delay="indefinite"/>
-                        <p:cond evt="onBegin" delay="0">
-                          <p:tn val="2"/>
-                        </p:cond>
                       </p:stCondLst>
                       <p:childTnLst>
                         <p:par>
@@ -6156,7 +6170,7 @@
                             </p:stCondLst>
                             <p:childTnLst>
                               <p:par>
-                                <p:cTn id="5" presetID="1" presetClass="entr" presetSubtype="0" fill="hold" grpId="0" nodeType="withEffect">
+                                <p:cTn id="5" presetID="1" presetClass="entr" presetSubtype="0" fill="hold" grpId="0" nodeType="clickEffect">
                                   <p:stCondLst>
                                     <p:cond delay="0"/>
                                   </p:stCondLst>
@@ -6169,7 +6183,7 @@
                                           </p:stCondLst>
                                         </p:cTn>
                                         <p:tgtEl>
-                                          <p:spTgt spid="6"/>
+                                          <p:spTgt spid="7"/>
                                         </p:tgtEl>
                                         <p:attrNameLst>
                                           <p:attrName>style.visibility</p:attrName>
@@ -6214,51 +6228,6 @@
                                           </p:stCondLst>
                                         </p:cTn>
                                         <p:tgtEl>
-                                          <p:spTgt spid="7"/>
-                                        </p:tgtEl>
-                                        <p:attrNameLst>
-                                          <p:attrName>style.visibility</p:attrName>
-                                        </p:attrNameLst>
-                                      </p:cBhvr>
-                                      <p:to>
-                                        <p:strVal val="visible"/>
-                                      </p:to>
-                                    </p:set>
-                                  </p:childTnLst>
-                                </p:cTn>
-                              </p:par>
-                            </p:childTnLst>
-                          </p:cTn>
-                        </p:par>
-                      </p:childTnLst>
-                    </p:cTn>
-                  </p:par>
-                  <p:par>
-                    <p:cTn id="11" fill="hold">
-                      <p:stCondLst>
-                        <p:cond delay="indefinite"/>
-                      </p:stCondLst>
-                      <p:childTnLst>
-                        <p:par>
-                          <p:cTn id="12" fill="hold">
-                            <p:stCondLst>
-                              <p:cond delay="0"/>
-                            </p:stCondLst>
-                            <p:childTnLst>
-                              <p:par>
-                                <p:cTn id="13" presetID="1" presetClass="entr" presetSubtype="0" fill="hold" grpId="0" nodeType="clickEffect">
-                                  <p:stCondLst>
-                                    <p:cond delay="0"/>
-                                  </p:stCondLst>
-                                  <p:childTnLst>
-                                    <p:set>
-                                      <p:cBhvr>
-                                        <p:cTn id="14" dur="1" fill="hold">
-                                          <p:stCondLst>
-                                            <p:cond delay="0"/>
-                                          </p:stCondLst>
-                                        </p:cTn>
-                                        <p:tgtEl>
                                           <p:spTgt spid="9"/>
                                         </p:tgtEl>
                                         <p:attrNameLst>
@@ -6273,14 +6242,14 @@
                                 </p:cTn>
                               </p:par>
                               <p:par>
-                                <p:cTn id="15" presetID="1" presetClass="entr" presetSubtype="0" fill="hold" nodeType="withEffect">
+                                <p:cTn id="11" presetID="1" presetClass="entr" presetSubtype="0" fill="hold" nodeType="withEffect">
                                   <p:stCondLst>
                                     <p:cond delay="0"/>
                                   </p:stCondLst>
                                   <p:childTnLst>
                                     <p:set>
                                       <p:cBhvr>
-                                        <p:cTn id="16" dur="1" fill="hold">
+                                        <p:cTn id="12" dur="1" fill="hold">
                                           <p:stCondLst>
                                             <p:cond delay="0"/>
                                           </p:stCondLst>
@@ -6306,32 +6275,59 @@
                     </p:cTn>
                   </p:par>
                   <p:par>
-                    <p:cTn id="17" fill="hold">
+                    <p:cTn id="13" fill="hold">
                       <p:stCondLst>
                         <p:cond delay="indefinite"/>
                       </p:stCondLst>
                       <p:childTnLst>
                         <p:par>
-                          <p:cTn id="18" fill="hold">
+                          <p:cTn id="14" fill="hold">
                             <p:stCondLst>
                               <p:cond delay="0"/>
                             </p:stCondLst>
                             <p:childTnLst>
                               <p:par>
-                                <p:cTn id="19" presetID="1" presetClass="entr" presetSubtype="0" fill="hold" nodeType="clickEffect">
+                                <p:cTn id="15" presetID="1" presetClass="entr" presetSubtype="0" fill="hold" nodeType="clickEffect">
                                   <p:stCondLst>
                                     <p:cond delay="0"/>
                                   </p:stCondLst>
                                   <p:childTnLst>
                                     <p:set>
                                       <p:cBhvr>
-                                        <p:cTn id="20" dur="1" fill="hold">
+                                        <p:cTn id="16" dur="1" fill="hold">
                                           <p:stCondLst>
                                             <p:cond delay="0"/>
                                           </p:stCondLst>
                                         </p:cTn>
                                         <p:tgtEl>
                                           <p:spTgt spid="10"/>
+                                        </p:tgtEl>
+                                        <p:attrNameLst>
+                                          <p:attrName>style.visibility</p:attrName>
+                                        </p:attrNameLst>
+                                      </p:cBhvr>
+                                      <p:to>
+                                        <p:strVal val="visible"/>
+                                      </p:to>
+                                    </p:set>
+                                  </p:childTnLst>
+                                </p:cTn>
+                              </p:par>
+                              <p:par>
+                                <p:cTn id="17" presetID="1" presetClass="entr" presetSubtype="0" fill="hold" grpId="0" nodeType="withEffect">
+                                  <p:stCondLst>
+                                    <p:cond delay="0"/>
+                                  </p:stCondLst>
+                                  <p:childTnLst>
+                                    <p:set>
+                                      <p:cBhvr>
+                                        <p:cTn id="18" dur="1" fill="hold">
+                                          <p:stCondLst>
+                                            <p:cond delay="0"/>
+                                          </p:stCondLst>
+                                        </p:cTn>
+                                        <p:tgtEl>
+                                          <p:spTgt spid="6"/>
                                         </p:tgtEl>
                                         <p:attrNameLst>
                                           <p:attrName>style.visibility</p:attrName>

--- a/project_2_presentation.pptx
+++ b/project_2_presentation.pptx
@@ -121,7 +121,7 @@
   </p:defaultTextStyle>
   <p:extLst>
     <p:ext uri="{EFAFB233-063F-42B5-8137-9DF3F51BA10A}">
-      <p15:sldGuideLst xmlns:p15="http://schemas.microsoft.com/office/powerpoint/2012/main" xmlns="">
+      <p15:sldGuideLst xmlns="" xmlns:p15="http://schemas.microsoft.com/office/powerpoint/2012/main">
         <p15:guide id="1" orient="horz" pos="2160">
           <p15:clr>
             <a:srgbClr val="A4A3A4"/>
@@ -532,15 +532,7 @@
           <a:bodyPr/>
           <a:lstStyle/>
           <a:p>
-            <a:r>
-              <a:rPr lang="en-US" dirty="0" smtClean="0"/>
-              <a:t>Animations!</a:t>
-            </a:r>
-            <a:r>
-              <a:rPr lang="en-US" baseline="0" dirty="0" smtClean="0"/>
-              <a:t> </a:t>
-            </a:r>
-            <a:endParaRPr lang="en-US" dirty="0"/>
+            <a:endParaRPr lang="en-US"/>
           </a:p>
         </p:txBody>
       </p:sp>
@@ -561,7 +553,7 @@
           <a:p>
             <a:fld id="{3BF9693C-674C-4668-97DA-E7EB7AA52C3E}" type="slidenum">
               <a:rPr lang="en-US" smtClean="0"/>
-              <a:t>4</a:t>
+              <a:t>3</a:t>
             </a:fld>
             <a:endParaRPr lang="en-US"/>
           </a:p>
@@ -570,7 +562,7 @@
     </p:spTree>
     <p:extLst>
       <p:ext uri="{BB962C8B-B14F-4D97-AF65-F5344CB8AC3E}">
-        <p14:creationId xmlns:p14="http://schemas.microsoft.com/office/powerpoint/2010/main" val="4073369450"/>
+        <p14:creationId xmlns:p14="http://schemas.microsoft.com/office/powerpoint/2010/main" val="4142014755"/>
       </p:ext>
     </p:extLst>
   </p:cSld>
@@ -625,28 +617,12 @@
           <a:lstStyle/>
           <a:p>
             <a:r>
-              <a:rPr lang="en-US" sz="1200" kern="1200" dirty="0" smtClean="0">
-                <a:solidFill>
-                  <a:schemeClr val="tx1"/>
-                </a:solidFill>
-                <a:effectLst/>
-                <a:latin typeface="+mn-lt"/>
-                <a:ea typeface="+mn-ea"/>
-                <a:cs typeface="+mn-cs"/>
-              </a:rPr>
-              <a:t>We considered several sampling designs and decided to stratify by day of week and hour of day.  Our initial simple random sample gave small subsamples for late evening/early morning flights, and omitted some hours entirely on some days.  By stratifying, we ensured we could estimate a value for all 168 (24 hours * 7 days) times.  We sampled roughly 2000 flights in each stratum, or the whole population if that was smaller.   We used a</a:t>
-            </a:r>
-            <a:r>
-              <a:rPr lang="en-US" sz="1200" kern="1200" baseline="0" dirty="0" smtClean="0">
-                <a:solidFill>
-                  <a:schemeClr val="tx1"/>
-                </a:solidFill>
-                <a:effectLst/>
-                <a:latin typeface="+mn-lt"/>
-                <a:ea typeface="+mn-ea"/>
-                <a:cs typeface="+mn-cs"/>
-              </a:rPr>
-              <a:t> weighted sample by setting our sampling probability for each stratum (of size N) to be 2000/N.</a:t>
+              <a:rPr lang="en-US" dirty="0" smtClean="0"/>
+              <a:t>Animations!</a:t>
+            </a:r>
+            <a:r>
+              <a:rPr lang="en-US" baseline="0" dirty="0" smtClean="0"/>
+              <a:t> </a:t>
             </a:r>
             <a:endParaRPr lang="en-US" dirty="0"/>
           </a:p>
@@ -669,7 +645,7 @@
           <a:p>
             <a:fld id="{3BF9693C-674C-4668-97DA-E7EB7AA52C3E}" type="slidenum">
               <a:rPr lang="en-US" smtClean="0"/>
-              <a:t>5</a:t>
+              <a:t>4</a:t>
             </a:fld>
             <a:endParaRPr lang="en-US"/>
           </a:p>
@@ -678,7 +654,7 @@
     </p:spTree>
     <p:extLst>
       <p:ext uri="{BB962C8B-B14F-4D97-AF65-F5344CB8AC3E}">
-        <p14:creationId xmlns:p14="http://schemas.microsoft.com/office/powerpoint/2010/main" val="4163855932"/>
+        <p14:creationId xmlns:p14="http://schemas.microsoft.com/office/powerpoint/2010/main" val="4073369450"/>
       </p:ext>
     </p:extLst>
   </p:cSld>
@@ -732,6 +708,114 @@
           <a:bodyPr/>
           <a:lstStyle/>
           <a:p>
+            <a:r>
+              <a:rPr lang="en-US" sz="1200" kern="1200" dirty="0" smtClean="0">
+                <a:solidFill>
+                  <a:schemeClr val="tx1"/>
+                </a:solidFill>
+                <a:effectLst/>
+                <a:latin typeface="+mn-lt"/>
+                <a:ea typeface="+mn-ea"/>
+                <a:cs typeface="+mn-cs"/>
+              </a:rPr>
+              <a:t>We considered several sampling designs and decided to stratify by day of week and hour of day.  Our initial simple random sample gave small subsamples for late evening/early morning flights, and omitted some hours entirely on some days.  By stratifying, we ensured we could estimate a value for all 168 (24 hours * 7 days) times.  We sampled roughly 2000 flights in each stratum, or the whole population if that was smaller.   We used a</a:t>
+            </a:r>
+            <a:r>
+              <a:rPr lang="en-US" sz="1200" kern="1200" baseline="0" dirty="0" smtClean="0">
+                <a:solidFill>
+                  <a:schemeClr val="tx1"/>
+                </a:solidFill>
+                <a:effectLst/>
+                <a:latin typeface="+mn-lt"/>
+                <a:ea typeface="+mn-ea"/>
+                <a:cs typeface="+mn-cs"/>
+              </a:rPr>
+              <a:t> weighted sample by setting our sampling probability for each stratum (of size N) to be 2000/N.</a:t>
+            </a:r>
+            <a:endParaRPr lang="en-US" dirty="0"/>
+          </a:p>
+        </p:txBody>
+      </p:sp>
+      <p:sp>
+        <p:nvSpPr>
+          <p:cNvPr id="4" name="Slide Number Placeholder 3"/>
+          <p:cNvSpPr>
+            <a:spLocks noGrp="1"/>
+          </p:cNvSpPr>
+          <p:nvPr>
+            <p:ph type="sldNum" sz="quarter" idx="10"/>
+          </p:nvPr>
+        </p:nvSpPr>
+        <p:spPr/>
+        <p:txBody>
+          <a:bodyPr/>
+          <a:lstStyle/>
+          <a:p>
+            <a:fld id="{3BF9693C-674C-4668-97DA-E7EB7AA52C3E}" type="slidenum">
+              <a:rPr lang="en-US" smtClean="0"/>
+              <a:t>5</a:t>
+            </a:fld>
+            <a:endParaRPr lang="en-US"/>
+          </a:p>
+        </p:txBody>
+      </p:sp>
+    </p:spTree>
+    <p:extLst>
+      <p:ext uri="{BB962C8B-B14F-4D97-AF65-F5344CB8AC3E}">
+        <p14:creationId xmlns:p14="http://schemas.microsoft.com/office/powerpoint/2010/main" val="4163855932"/>
+      </p:ext>
+    </p:extLst>
+  </p:cSld>
+  <p:clrMapOvr>
+    <a:masterClrMapping/>
+  </p:clrMapOvr>
+</p:notes>
+</file>
+
+<file path=ppt/notesSlides/notesSlide4.xml><?xml version="1.0" encoding="utf-8"?>
+<p:notes xmlns:a="http://schemas.openxmlformats.org/drawingml/2006/main" xmlns:r="http://schemas.openxmlformats.org/officeDocument/2006/relationships" xmlns:p="http://schemas.openxmlformats.org/presentationml/2006/main">
+  <p:cSld>
+    <p:spTree>
+      <p:nvGrpSpPr>
+        <p:cNvPr id="1" name=""/>
+        <p:cNvGrpSpPr/>
+        <p:nvPr/>
+      </p:nvGrpSpPr>
+      <p:grpSpPr>
+        <a:xfrm>
+          <a:off x="0" y="0"/>
+          <a:ext cx="0" cy="0"/>
+          <a:chOff x="0" y="0"/>
+          <a:chExt cx="0" cy="0"/>
+        </a:xfrm>
+      </p:grpSpPr>
+      <p:sp>
+        <p:nvSpPr>
+          <p:cNvPr id="2" name="Slide Image Placeholder 1"/>
+          <p:cNvSpPr>
+            <a:spLocks noGrp="1" noRot="1" noChangeAspect="1"/>
+          </p:cNvSpPr>
+          <p:nvPr>
+            <p:ph type="sldImg"/>
+          </p:nvPr>
+        </p:nvSpPr>
+        <p:spPr/>
+      </p:sp>
+      <p:sp>
+        <p:nvSpPr>
+          <p:cNvPr id="3" name="Notes Placeholder 2"/>
+          <p:cNvSpPr>
+            <a:spLocks noGrp="1"/>
+          </p:cNvSpPr>
+          <p:nvPr>
+            <p:ph type="body" idx="1"/>
+          </p:nvPr>
+        </p:nvSpPr>
+        <p:spPr/>
+        <p:txBody>
+          <a:bodyPr/>
+          <a:lstStyle/>
+          <a:p>
             <a:pPr marL="0" marR="0" indent="0" algn="l" defTabSz="914400" rtl="0" eaLnBrk="1" fontAlgn="auto" latinLnBrk="0" hangingPunct="1">
               <a:lnSpc>
                 <a:spcPct val="100000"/>
@@ -882,7 +966,7 @@
 </p:notes>
 </file>
 
-<file path=ppt/notesSlides/notesSlide4.xml><?xml version="1.0" encoding="utf-8"?>
+<file path=ppt/notesSlides/notesSlide5.xml><?xml version="1.0" encoding="utf-8"?>
 <p:notes xmlns:a="http://schemas.openxmlformats.org/drawingml/2006/main" xmlns:r="http://schemas.openxmlformats.org/officeDocument/2006/relationships" xmlns:p="http://schemas.openxmlformats.org/presentationml/2006/main">
   <p:cSld>
     <p:spTree>
@@ -1020,7 +1104,7 @@
 </p:notes>
 </file>
 
-<file path=ppt/notesSlides/notesSlide5.xml><?xml version="1.0" encoding="utf-8"?>
+<file path=ppt/notesSlides/notesSlide6.xml><?xml version="1.0" encoding="utf-8"?>
 <p:notes xmlns:a="http://schemas.openxmlformats.org/drawingml/2006/main" xmlns:r="http://schemas.openxmlformats.org/officeDocument/2006/relationships" xmlns:p="http://schemas.openxmlformats.org/presentationml/2006/main">
   <p:cSld>
     <p:spTree>
@@ -5180,7 +5264,9 @@
         </p:nvSpPr>
         <p:spPr/>
         <p:txBody>
-          <a:bodyPr/>
+          <a:bodyPr>
+            <a:normAutofit lnSpcReduction="10000"/>
+          </a:bodyPr>
           <a:lstStyle/>
           <a:p>
             <a:r>
@@ -5203,7 +5289,20 @@
           <a:p>
             <a:r>
               <a:rPr lang="en-US" dirty="0" smtClean="0"/>
-              <a:t>Made negative times 	   zero</a:t>
+              <a:t>Made negative times 	   </a:t>
+            </a:r>
+            <a:r>
+              <a:rPr lang="en-US" dirty="0" smtClean="0"/>
+              <a:t>zero</a:t>
+            </a:r>
+          </a:p>
+          <a:p>
+            <a:endParaRPr lang="en-US" dirty="0" smtClean="0"/>
+          </a:p>
+          <a:p>
+            <a:r>
+              <a:rPr lang="en-US" dirty="0" smtClean="0"/>
+              <a:t>Removed cancelled or diverted flights</a:t>
             </a:r>
             <a:endParaRPr lang="en-US" dirty="0"/>
           </a:p>
@@ -5217,7 +5316,7 @@
         </p:nvCxnSpPr>
         <p:spPr>
           <a:xfrm>
-            <a:off x="4495800" y="4728882"/>
+            <a:off x="4495800" y="4419600"/>
             <a:ext cx="762000" cy="0"/>
           </a:xfrm>
           <a:prstGeom prst="straightConnector1">
@@ -5496,15 +5595,7 @@
           <a:p>
             <a:r>
               <a:rPr lang="en-US" sz="2000" dirty="0" smtClean="0"/>
-              <a:t>-Wednesday 5:00 </a:t>
-            </a:r>
-            <a:r>
-              <a:rPr lang="en-US" sz="2000" dirty="0" smtClean="0"/>
-              <a:t>am </a:t>
-            </a:r>
-            <a:r>
-              <a:rPr lang="en-US" sz="2000" dirty="0" smtClean="0"/>
-              <a:t>~23%</a:t>
+              <a:t>-Wednesday 5:00 am ~23%</a:t>
             </a:r>
           </a:p>
           <a:p>
@@ -5849,11 +5940,7 @@
             </a:r>
             <a:r>
               <a:rPr lang="en-US" smtClean="0"/>
-              <a:t>168 </a:t>
-            </a:r>
-            <a:r>
-              <a:rPr lang="en-US" smtClean="0"/>
-              <a:t>strata </a:t>
+              <a:t>168 strata </a:t>
             </a:r>
             <a:endParaRPr lang="en-US" dirty="0" smtClean="0"/>
           </a:p>

--- a/project_2_presentation.pptx
+++ b/project_2_presentation.pptx
@@ -121,7 +121,7 @@
   </p:defaultTextStyle>
   <p:extLst>
     <p:ext uri="{EFAFB233-063F-42B5-8137-9DF3F51BA10A}">
-      <p15:sldGuideLst xmlns="" xmlns:p15="http://schemas.microsoft.com/office/powerpoint/2012/main">
+      <p15:sldGuideLst xmlns:p15="http://schemas.microsoft.com/office/powerpoint/2012/main" xmlns="">
         <p15:guide id="1" orient="horz" pos="2160">
           <p15:clr>
             <a:srgbClr val="A4A3A4"/>
@@ -5265,7 +5265,7 @@
         <p:spPr/>
         <p:txBody>
           <a:bodyPr>
-            <a:normAutofit lnSpcReduction="10000"/>
+            <a:normAutofit/>
           </a:bodyPr>
           <a:lstStyle/>
           <a:p>
@@ -5289,22 +5289,11 @@
           <a:p>
             <a:r>
               <a:rPr lang="en-US" dirty="0" smtClean="0"/>
-              <a:t>Made negative times 	   </a:t>
-            </a:r>
-            <a:r>
-              <a:rPr lang="en-US" dirty="0" smtClean="0"/>
-              <a:t>zero</a:t>
+              <a:t>Made negative times 	   zero</a:t>
             </a:r>
           </a:p>
           <a:p>
             <a:endParaRPr lang="en-US" dirty="0" smtClean="0"/>
-          </a:p>
-          <a:p>
-            <a:r>
-              <a:rPr lang="en-US" dirty="0" smtClean="0"/>
-              <a:t>Removed cancelled or diverted flights</a:t>
-            </a:r>
-            <a:endParaRPr lang="en-US" dirty="0"/>
           </a:p>
         </p:txBody>
       </p:sp>

--- a/project_2_presentation.pptx
+++ b/project_2_presentation.pptx
@@ -121,7 +121,7 @@
   </p:defaultTextStyle>
   <p:extLst>
     <p:ext uri="{EFAFB233-063F-42B5-8137-9DF3F51BA10A}">
-      <p15:sldGuideLst xmlns:p15="http://schemas.microsoft.com/office/powerpoint/2012/main" xmlns="">
+      <p15:sldGuideLst xmlns="" xmlns:p15="http://schemas.microsoft.com/office/powerpoint/2012/main">
         <p15:guide id="1" orient="horz" pos="2160">
           <p15:clr>
             <a:srgbClr val="A4A3A4"/>
@@ -4637,6 +4637,13 @@
   <p:clrMapOvr>
     <a:masterClrMapping/>
   </p:clrMapOvr>
+  <p:timing>
+    <p:tnLst>
+      <p:par>
+        <p:cTn id="1" dur="indefinite" restart="never" nodeType="tmRoot"/>
+      </p:par>
+    </p:tnLst>
+  </p:timing>
 </p:sld>
 </file>
 
@@ -4828,6 +4835,13 @@
   <p:clrMapOvr>
     <a:masterClrMapping/>
   </p:clrMapOvr>
+  <p:timing>
+    <p:tnLst>
+      <p:par>
+        <p:cTn id="1" dur="indefinite" restart="never" nodeType="tmRoot"/>
+      </p:par>
+    </p:tnLst>
+  </p:timing>
 </p:sld>
 </file>
 

--- a/project_2_presentation.pptx
+++ b/project_2_presentation.pptx
@@ -121,7 +121,7 @@
   </p:defaultTextStyle>
   <p:extLst>
     <p:ext uri="{EFAFB233-063F-42B5-8137-9DF3F51BA10A}">
-      <p15:sldGuideLst xmlns="" xmlns:p15="http://schemas.microsoft.com/office/powerpoint/2012/main">
+      <p15:sldGuideLst xmlns:p15="http://schemas.microsoft.com/office/powerpoint/2012/main" xmlns="">
         <p15:guide id="1" orient="horz" pos="2160">
           <p15:clr>
             <a:srgbClr val="A4A3A4"/>
@@ -220,7 +220,7 @@
           <a:p>
             <a:fld id="{C5F8BAF5-3FF5-421E-A723-E6242AAB3235}" type="datetimeFigureOut">
               <a:rPr lang="en-US" smtClean="0"/>
-              <a:t>5/13/2014</a:t>
+              <a:t>5/14/2014</a:t>
             </a:fld>
             <a:endParaRPr lang="en-US"/>
           </a:p>
@@ -1436,7 +1436,7 @@
           <a:p>
             <a:fld id="{DD13DB93-76A0-45FB-ABE0-140B19975246}" type="datetimeFigureOut">
               <a:rPr lang="en-US" smtClean="0"/>
-              <a:t>5/13/2014</a:t>
+              <a:t>5/14/2014</a:t>
             </a:fld>
             <a:endParaRPr lang="en-US"/>
           </a:p>
@@ -1606,7 +1606,7 @@
           <a:p>
             <a:fld id="{DD13DB93-76A0-45FB-ABE0-140B19975246}" type="datetimeFigureOut">
               <a:rPr lang="en-US" smtClean="0"/>
-              <a:t>5/13/2014</a:t>
+              <a:t>5/14/2014</a:t>
             </a:fld>
             <a:endParaRPr lang="en-US"/>
           </a:p>
@@ -1786,7 +1786,7 @@
           <a:p>
             <a:fld id="{DD13DB93-76A0-45FB-ABE0-140B19975246}" type="datetimeFigureOut">
               <a:rPr lang="en-US" smtClean="0"/>
-              <a:t>5/13/2014</a:t>
+              <a:t>5/14/2014</a:t>
             </a:fld>
             <a:endParaRPr lang="en-US"/>
           </a:p>
@@ -1956,7 +1956,7 @@
           <a:p>
             <a:fld id="{DD13DB93-76A0-45FB-ABE0-140B19975246}" type="datetimeFigureOut">
               <a:rPr lang="en-US" smtClean="0"/>
-              <a:t>5/13/2014</a:t>
+              <a:t>5/14/2014</a:t>
             </a:fld>
             <a:endParaRPr lang="en-US"/>
           </a:p>
@@ -2202,7 +2202,7 @@
           <a:p>
             <a:fld id="{DD13DB93-76A0-45FB-ABE0-140B19975246}" type="datetimeFigureOut">
               <a:rPr lang="en-US" smtClean="0"/>
-              <a:t>5/13/2014</a:t>
+              <a:t>5/14/2014</a:t>
             </a:fld>
             <a:endParaRPr lang="en-US"/>
           </a:p>
@@ -2490,7 +2490,7 @@
           <a:p>
             <a:fld id="{DD13DB93-76A0-45FB-ABE0-140B19975246}" type="datetimeFigureOut">
               <a:rPr lang="en-US" smtClean="0"/>
-              <a:t>5/13/2014</a:t>
+              <a:t>5/14/2014</a:t>
             </a:fld>
             <a:endParaRPr lang="en-US"/>
           </a:p>
@@ -2912,7 +2912,7 @@
           <a:p>
             <a:fld id="{DD13DB93-76A0-45FB-ABE0-140B19975246}" type="datetimeFigureOut">
               <a:rPr lang="en-US" smtClean="0"/>
-              <a:t>5/13/2014</a:t>
+              <a:t>5/14/2014</a:t>
             </a:fld>
             <a:endParaRPr lang="en-US"/>
           </a:p>
@@ -3030,7 +3030,7 @@
           <a:p>
             <a:fld id="{DD13DB93-76A0-45FB-ABE0-140B19975246}" type="datetimeFigureOut">
               <a:rPr lang="en-US" smtClean="0"/>
-              <a:t>5/13/2014</a:t>
+              <a:t>5/14/2014</a:t>
             </a:fld>
             <a:endParaRPr lang="en-US"/>
           </a:p>
@@ -3125,7 +3125,7 @@
           <a:p>
             <a:fld id="{DD13DB93-76A0-45FB-ABE0-140B19975246}" type="datetimeFigureOut">
               <a:rPr lang="en-US" smtClean="0"/>
-              <a:t>5/13/2014</a:t>
+              <a:t>5/14/2014</a:t>
             </a:fld>
             <a:endParaRPr lang="en-US"/>
           </a:p>
@@ -3402,7 +3402,7 @@
           <a:p>
             <a:fld id="{DD13DB93-76A0-45FB-ABE0-140B19975246}" type="datetimeFigureOut">
               <a:rPr lang="en-US" smtClean="0"/>
-              <a:t>5/13/2014</a:t>
+              <a:t>5/14/2014</a:t>
             </a:fld>
             <a:endParaRPr lang="en-US"/>
           </a:p>
@@ -3655,7 +3655,7 @@
           <a:p>
             <a:fld id="{DD13DB93-76A0-45FB-ABE0-140B19975246}" type="datetimeFigureOut">
               <a:rPr lang="en-US" smtClean="0"/>
-              <a:t>5/13/2014</a:t>
+              <a:t>5/14/2014</a:t>
             </a:fld>
             <a:endParaRPr lang="en-US"/>
           </a:p>
@@ -3868,7 +3868,7 @@
           <a:p>
             <a:fld id="{DD13DB93-76A0-45FB-ABE0-140B19975246}" type="datetimeFigureOut">
               <a:rPr lang="en-US" smtClean="0"/>
-              <a:t>5/13/2014</a:t>
+              <a:t>5/14/2014</a:t>
             </a:fld>
             <a:endParaRPr lang="en-US"/>
           </a:p>
@@ -5279,7 +5279,7 @@
         <p:spPr/>
         <p:txBody>
           <a:bodyPr>
-            <a:normAutofit/>
+            <a:normAutofit lnSpcReduction="10000"/>
           </a:bodyPr>
           <a:lstStyle/>
           <a:p>
@@ -5303,8 +5303,22 @@
           <a:p>
             <a:r>
               <a:rPr lang="en-US" dirty="0" smtClean="0"/>
-              <a:t>Made negative times 	   zero</a:t>
-            </a:r>
+              <a:t>Made negative times 	   </a:t>
+            </a:r>
+            <a:r>
+              <a:rPr lang="en-US" dirty="0" smtClean="0"/>
+              <a:t>zero</a:t>
+            </a:r>
+          </a:p>
+          <a:p>
+            <a:endParaRPr lang="en-US" dirty="0" smtClean="0"/>
+          </a:p>
+          <a:p>
+            <a:r>
+              <a:rPr lang="en-US" dirty="0" smtClean="0"/>
+              <a:t>Ignored cancelled and diverted flights</a:t>
+            </a:r>
+            <a:endParaRPr lang="en-US" dirty="0" smtClean="0"/>
           </a:p>
           <a:p>
             <a:endParaRPr lang="en-US" dirty="0" smtClean="0"/>
